--- a/ppt/PythonMath10-Scipy.pptx
+++ b/ppt/PythonMath10-Scipy.pptx
@@ -5,10 +5,10 @@
     <p:sldMasterId id="2147483653" r:id="rId1"/>
   </p:sldMasterIdLst>
   <p:notesMasterIdLst>
-    <p:notesMasterId r:id="rId24"/>
+    <p:notesMasterId r:id="rId25"/>
   </p:notesMasterIdLst>
   <p:handoutMasterIdLst>
-    <p:handoutMasterId r:id="rId25"/>
+    <p:handoutMasterId r:id="rId26"/>
   </p:handoutMasterIdLst>
   <p:sldIdLst>
     <p:sldId id="264" r:id="rId2"/>
@@ -32,7 +32,8 @@
     <p:sldId id="326" r:id="rId20"/>
     <p:sldId id="327" r:id="rId21"/>
     <p:sldId id="328" r:id="rId22"/>
-    <p:sldId id="325" r:id="rId23"/>
+    <p:sldId id="329" r:id="rId23"/>
+    <p:sldId id="325" r:id="rId24"/>
   </p:sldIdLst>
   <p:sldSz cx="9144000" cy="6858000" type="screen4x3"/>
   <p:notesSz cx="6648450" cy="9782175"/>
@@ -3710,11 +3711,7 @@
             <a:pPr eaLnBrk="1" hangingPunct="1"/>
             <a:r>
               <a:rPr lang="fr-FR" altLang="fr-FR" smtClean="0"/>
-              <a:t>Chapitre </a:t>
-            </a:r>
-            <a:r>
-              <a:rPr lang="fr-FR" altLang="fr-FR" smtClean="0"/>
-              <a:t>10</a:t>
+              <a:t>Chapitre 10</a:t>
             </a:r>
             <a:endParaRPr lang="fr-FR" altLang="fr-FR" dirty="0" smtClean="0"/>
           </a:p>
@@ -5732,6 +5729,152 @@
 </file>
 
 <file path=ppt/slides/slide22.xml><?xml version="1.0" encoding="utf-8"?>
+<p:sld xmlns:a="http://schemas.openxmlformats.org/drawingml/2006/main" xmlns:r="http://schemas.openxmlformats.org/officeDocument/2006/relationships" xmlns:p="http://schemas.openxmlformats.org/presentationml/2006/main">
+  <p:cSld>
+    <p:spTree>
+      <p:nvGrpSpPr>
+        <p:cNvPr id="1" name=""/>
+        <p:cNvGrpSpPr/>
+        <p:nvPr/>
+      </p:nvGrpSpPr>
+      <p:grpSpPr>
+        <a:xfrm>
+          <a:off x="0" y="0"/>
+          <a:ext cx="0" cy="0"/>
+          <a:chOff x="0" y="0"/>
+          <a:chExt cx="0" cy="0"/>
+        </a:xfrm>
+      </p:grpSpPr>
+      <p:sp>
+        <p:nvSpPr>
+          <p:cNvPr id="2" name="Titre 1"/>
+          <p:cNvSpPr>
+            <a:spLocks noGrp="1"/>
+          </p:cNvSpPr>
+          <p:nvPr>
+            <p:ph type="title"/>
+          </p:nvPr>
+        </p:nvSpPr>
+        <p:spPr/>
+        <p:txBody>
+          <a:bodyPr/>
+          <a:lstStyle/>
+          <a:p>
+            <a:r>
+              <a:rPr lang="fr-FR" dirty="0" smtClean="0"/>
+              <a:t>Régression logistique</a:t>
+            </a:r>
+            <a:endParaRPr lang="fr-FR" dirty="0"/>
+          </a:p>
+        </p:txBody>
+      </p:sp>
+      <p:sp>
+        <p:nvSpPr>
+          <p:cNvPr id="3" name="Espace réservé du contenu 2"/>
+          <p:cNvSpPr>
+            <a:spLocks noGrp="1"/>
+          </p:cNvSpPr>
+          <p:nvPr>
+            <p:ph idx="1"/>
+          </p:nvPr>
+        </p:nvSpPr>
+        <p:spPr/>
+        <p:txBody>
+          <a:bodyPr/>
+          <a:lstStyle/>
+          <a:p>
+            <a:r>
+              <a:rPr lang="fr-FR" dirty="0" smtClean="0"/>
+              <a:t>Fonction de type S</a:t>
+            </a:r>
+          </a:p>
+          <a:p>
+            <a:r>
+              <a:rPr lang="fr-FR" dirty="0" smtClean="0"/>
+              <a:t>Modèle </a:t>
+            </a:r>
+            <a:r>
+              <a:rPr lang="fr-FR" dirty="0" err="1" smtClean="0"/>
+              <a:t>logit</a:t>
+            </a:r>
+            <a:endParaRPr lang="fr-FR" dirty="0" smtClean="0"/>
+          </a:p>
+          <a:p>
+            <a:r>
+              <a:rPr lang="fr-FR" dirty="0" err="1" smtClean="0"/>
+              <a:t>Cf</a:t>
+            </a:r>
+            <a:r>
+              <a:rPr lang="fr-FR" dirty="0" smtClean="0"/>
+              <a:t> </a:t>
+            </a:r>
+            <a:r>
+              <a:rPr lang="fr-FR" dirty="0" err="1" smtClean="0"/>
+              <a:t>sklearn</a:t>
+            </a:r>
+            <a:r>
+              <a:rPr lang="fr-FR" dirty="0" smtClean="0"/>
+              <a:t> et MLP</a:t>
+            </a:r>
+            <a:endParaRPr lang="fr-FR" dirty="0"/>
+          </a:p>
+        </p:txBody>
+      </p:sp>
+      <p:pic>
+        <p:nvPicPr>
+          <p:cNvPr id="1026" name="Picture 2" descr="https://upload.wikimedia.org/wikipedia/commons/thumb/6/6d/Exam_pass_logistic_curve.jpeg/400px-Exam_pass_logistic_curve.jpeg"/>
+          <p:cNvPicPr>
+            <a:picLocks noChangeAspect="1" noChangeArrowheads="1"/>
+          </p:cNvPicPr>
+          <p:nvPr/>
+        </p:nvPicPr>
+        <p:blipFill>
+          <a:blip r:embed="rId2">
+            <a:extLst>
+              <a:ext uri="{28A0092B-C50C-407E-A947-70E740481C1C}">
+                <a14:useLocalDpi xmlns:a14="http://schemas.microsoft.com/office/drawing/2010/main" val="0"/>
+              </a:ext>
+            </a:extLst>
+          </a:blip>
+          <a:srcRect/>
+          <a:stretch>
+            <a:fillRect/>
+          </a:stretch>
+        </p:blipFill>
+        <p:spPr bwMode="auto">
+          <a:xfrm>
+            <a:off x="1763688" y="2903340"/>
+            <a:ext cx="4896544" cy="3549996"/>
+          </a:xfrm>
+          <a:prstGeom prst="rect">
+            <a:avLst/>
+          </a:prstGeom>
+          <a:noFill/>
+          <a:extLst>
+            <a:ext uri="{909E8E84-426E-40DD-AFC4-6F175D3DCCD1}">
+              <a14:hiddenFill xmlns:a14="http://schemas.microsoft.com/office/drawing/2010/main">
+                <a:solidFill>
+                  <a:srgbClr val="FFFFFF"/>
+                </a:solidFill>
+              </a14:hiddenFill>
+            </a:ext>
+          </a:extLst>
+        </p:spPr>
+      </p:pic>
+    </p:spTree>
+    <p:extLst>
+      <p:ext uri="{BB962C8B-B14F-4D97-AF65-F5344CB8AC3E}">
+        <p14:creationId xmlns:p14="http://schemas.microsoft.com/office/powerpoint/2010/main" val="245794120"/>
+      </p:ext>
+    </p:extLst>
+  </p:cSld>
+  <p:clrMapOvr>
+    <a:masterClrMapping/>
+  </p:clrMapOvr>
+</p:sld>
+</file>
+
+<file path=ppt/slides/slide23.xml><?xml version="1.0" encoding="utf-8"?>
 <p:sld xmlns:a="http://schemas.openxmlformats.org/drawingml/2006/main" xmlns:r="http://schemas.openxmlformats.org/officeDocument/2006/relationships" xmlns:p="http://schemas.openxmlformats.org/presentationml/2006/main">
   <p:cSld>
     <p:spTree>

--- a/ppt/PythonMath10-Scipy.pptx
+++ b/ppt/PythonMath10-Scipy.pptx
@@ -5,10 +5,10 @@
     <p:sldMasterId id="2147483653" r:id="rId1"/>
   </p:sldMasterIdLst>
   <p:notesMasterIdLst>
-    <p:notesMasterId r:id="rId25"/>
+    <p:notesMasterId r:id="rId27"/>
   </p:notesMasterIdLst>
   <p:handoutMasterIdLst>
-    <p:handoutMasterId r:id="rId26"/>
+    <p:handoutMasterId r:id="rId28"/>
   </p:handoutMasterIdLst>
   <p:sldIdLst>
     <p:sldId id="264" r:id="rId2"/>
@@ -34,6 +34,8 @@
     <p:sldId id="328" r:id="rId22"/>
     <p:sldId id="329" r:id="rId23"/>
     <p:sldId id="325" r:id="rId24"/>
+    <p:sldId id="330" r:id="rId25"/>
+    <p:sldId id="331" r:id="rId26"/>
   </p:sldIdLst>
   <p:sldSz cx="9144000" cy="6858000" type="screen4x3"/>
   <p:notesSz cx="6648450" cy="9782175"/>
@@ -4705,8 +4707,27 @@
             <a:pPr lvl="1"/>
             <a:r>
               <a:rPr lang="fr-FR" dirty="0" smtClean="0"/>
-              <a:t>Outils de statistiques</a:t>
-            </a:r>
+              <a:t>Outils de </a:t>
+            </a:r>
+            <a:r>
+              <a:rPr lang="fr-FR" dirty="0" smtClean="0"/>
+              <a:t>statistiques</a:t>
+            </a:r>
+          </a:p>
+          <a:p>
+            <a:r>
+              <a:rPr lang="fr-FR" dirty="0" err="1" smtClean="0"/>
+              <a:t>Scipy.integrate</a:t>
+            </a:r>
+            <a:endParaRPr lang="fr-FR" dirty="0" smtClean="0"/>
+          </a:p>
+          <a:p>
+            <a:pPr lvl="1"/>
+            <a:r>
+              <a:rPr lang="fr-FR" dirty="0" smtClean="0"/>
+              <a:t>Calcul des intégrales</a:t>
+            </a:r>
+            <a:endParaRPr lang="fr-FR" dirty="0" smtClean="0"/>
           </a:p>
         </p:txBody>
       </p:sp>
@@ -5956,6 +5977,789 @@
     <p:extLst>
       <p:ext uri="{BB962C8B-B14F-4D97-AF65-F5344CB8AC3E}">
         <p14:creationId xmlns:p14="http://schemas.microsoft.com/office/powerpoint/2010/main" val="4258102882"/>
+      </p:ext>
+    </p:extLst>
+  </p:cSld>
+  <p:clrMapOvr>
+    <a:masterClrMapping/>
+  </p:clrMapOvr>
+</p:sld>
+</file>
+
+<file path=ppt/slides/slide24.xml><?xml version="1.0" encoding="utf-8"?>
+<p:sld xmlns:a="http://schemas.openxmlformats.org/drawingml/2006/main" xmlns:r="http://schemas.openxmlformats.org/officeDocument/2006/relationships" xmlns:p="http://schemas.openxmlformats.org/presentationml/2006/main">
+  <p:cSld>
+    <p:spTree>
+      <p:nvGrpSpPr>
+        <p:cNvPr id="1" name=""/>
+        <p:cNvGrpSpPr/>
+        <p:nvPr/>
+      </p:nvGrpSpPr>
+      <p:grpSpPr>
+        <a:xfrm>
+          <a:off x="0" y="0"/>
+          <a:ext cx="0" cy="0"/>
+          <a:chOff x="0" y="0"/>
+          <a:chExt cx="0" cy="0"/>
+        </a:xfrm>
+      </p:grpSpPr>
+      <p:sp>
+        <p:nvSpPr>
+          <p:cNvPr id="2" name="Titre 1"/>
+          <p:cNvSpPr>
+            <a:spLocks noGrp="1"/>
+          </p:cNvSpPr>
+          <p:nvPr>
+            <p:ph type="title"/>
+          </p:nvPr>
+        </p:nvSpPr>
+        <p:spPr/>
+        <p:txBody>
+          <a:bodyPr/>
+          <a:lstStyle/>
+          <a:p>
+            <a:r>
+              <a:rPr lang="fr-FR" dirty="0" err="1" smtClean="0"/>
+              <a:t>Scipy.Integrate</a:t>
+            </a:r>
+            <a:endParaRPr lang="fr-FR" dirty="0"/>
+          </a:p>
+        </p:txBody>
+      </p:sp>
+      <p:sp>
+        <p:nvSpPr>
+          <p:cNvPr id="3" name="Espace réservé du contenu 2"/>
+          <p:cNvSpPr>
+            <a:spLocks noGrp="1"/>
+          </p:cNvSpPr>
+          <p:nvPr>
+            <p:ph idx="1"/>
+          </p:nvPr>
+        </p:nvSpPr>
+        <p:spPr/>
+        <p:txBody>
+          <a:bodyPr/>
+          <a:lstStyle/>
+          <a:p>
+            <a:r>
+              <a:rPr lang="en-US" sz="2000" dirty="0" err="1" smtClean="0"/>
+              <a:t>Calcul</a:t>
+            </a:r>
+            <a:r>
+              <a:rPr lang="en-US" sz="2000" dirty="0" smtClean="0"/>
+              <a:t> des integrals avec </a:t>
+            </a:r>
+            <a:r>
+              <a:rPr lang="en-US" sz="2000" dirty="0" err="1" smtClean="0"/>
+              <a:t>plusieurs</a:t>
+            </a:r>
+            <a:r>
+              <a:rPr lang="en-US" sz="2000" dirty="0" smtClean="0"/>
+              <a:t> </a:t>
+            </a:r>
+            <a:r>
+              <a:rPr lang="en-US" sz="2000" dirty="0" err="1" smtClean="0"/>
+              <a:t>algorithmes</a:t>
+            </a:r>
+            <a:endParaRPr lang="en-US" sz="2000" dirty="0"/>
+          </a:p>
+          <a:p>
+            <a:r>
+              <a:rPr lang="en-US" sz="2000" dirty="0"/>
+              <a:t>   </a:t>
+            </a:r>
+            <a:r>
+              <a:rPr lang="en-US" sz="2000" dirty="0">
+                <a:latin typeface="Courier New" panose="02070309020205020404" pitchFamily="49" charset="0"/>
+                <a:cs typeface="Courier New" panose="02070309020205020404" pitchFamily="49" charset="0"/>
+              </a:rPr>
+              <a:t>quad</a:t>
+            </a:r>
+            <a:r>
+              <a:rPr lang="en-US" sz="2000" dirty="0"/>
+              <a:t> -- General purpose integration.</a:t>
+            </a:r>
+            <a:br>
+              <a:rPr lang="en-US" sz="2000" dirty="0"/>
+            </a:br>
+            <a:r>
+              <a:rPr lang="en-US" sz="2000" dirty="0"/>
+              <a:t>   </a:t>
+            </a:r>
+            <a:r>
+              <a:rPr lang="en-US" sz="2000" dirty="0" err="1">
+                <a:latin typeface="Courier New" panose="02070309020205020404" pitchFamily="49" charset="0"/>
+                <a:cs typeface="Courier New" panose="02070309020205020404" pitchFamily="49" charset="0"/>
+              </a:rPr>
+              <a:t>dblquad</a:t>
+            </a:r>
+            <a:r>
+              <a:rPr lang="en-US" sz="2000" dirty="0"/>
+              <a:t> -- General purpose double integration.</a:t>
+            </a:r>
+            <a:br>
+              <a:rPr lang="en-US" sz="2000" dirty="0"/>
+            </a:br>
+            <a:r>
+              <a:rPr lang="en-US" sz="2000" dirty="0"/>
+              <a:t>   </a:t>
+            </a:r>
+            <a:r>
+              <a:rPr lang="en-US" sz="2000" dirty="0" err="1">
+                <a:latin typeface="Courier New" panose="02070309020205020404" pitchFamily="49" charset="0"/>
+                <a:cs typeface="Courier New" panose="02070309020205020404" pitchFamily="49" charset="0"/>
+              </a:rPr>
+              <a:t>tplquad</a:t>
+            </a:r>
+            <a:r>
+              <a:rPr lang="en-US" sz="2000" dirty="0"/>
+              <a:t> -- General purpose triple integration.</a:t>
+            </a:r>
+            <a:br>
+              <a:rPr lang="en-US" sz="2000" dirty="0"/>
+            </a:br>
+            <a:r>
+              <a:rPr lang="en-US" sz="2000" dirty="0"/>
+              <a:t>   </a:t>
+            </a:r>
+            <a:r>
+              <a:rPr lang="en-US" sz="2000" dirty="0" err="1">
+                <a:latin typeface="Courier New" panose="02070309020205020404" pitchFamily="49" charset="0"/>
+                <a:cs typeface="Courier New" panose="02070309020205020404" pitchFamily="49" charset="0"/>
+              </a:rPr>
+              <a:t>fixed_quad</a:t>
+            </a:r>
+            <a:r>
+              <a:rPr lang="en-US" sz="2000" dirty="0"/>
+              <a:t> -- Integrate </a:t>
+            </a:r>
+            <a:r>
+              <a:rPr lang="en-US" sz="2000" dirty="0" err="1"/>
+              <a:t>func</a:t>
+            </a:r>
+            <a:r>
+              <a:rPr lang="en-US" sz="2000" dirty="0"/>
+              <a:t>(x) using Gaussian quadrature of order n.</a:t>
+            </a:r>
+            <a:br>
+              <a:rPr lang="en-US" sz="2000" dirty="0"/>
+            </a:br>
+            <a:r>
+              <a:rPr lang="en-US" sz="2000" dirty="0"/>
+              <a:t>   </a:t>
+            </a:r>
+            <a:r>
+              <a:rPr lang="en-US" sz="2000" dirty="0">
+                <a:latin typeface="Courier New" panose="02070309020205020404" pitchFamily="49" charset="0"/>
+                <a:cs typeface="Courier New" panose="02070309020205020404" pitchFamily="49" charset="0"/>
+              </a:rPr>
+              <a:t>quadrature</a:t>
+            </a:r>
+            <a:r>
+              <a:rPr lang="en-US" sz="2000" dirty="0"/>
+              <a:t> -- Integrate with given tolerance using Gaussian quadrature.</a:t>
+            </a:r>
+            <a:br>
+              <a:rPr lang="en-US" sz="2000" dirty="0"/>
+            </a:br>
+            <a:r>
+              <a:rPr lang="en-US" sz="2000" dirty="0"/>
+              <a:t>   </a:t>
+            </a:r>
+            <a:r>
+              <a:rPr lang="en-US" sz="2000" dirty="0" err="1">
+                <a:latin typeface="Courier New" panose="02070309020205020404" pitchFamily="49" charset="0"/>
+                <a:cs typeface="Courier New" panose="02070309020205020404" pitchFamily="49" charset="0"/>
+              </a:rPr>
+              <a:t>romberg</a:t>
+            </a:r>
+            <a:r>
+              <a:rPr lang="en-US" sz="2000" dirty="0"/>
+              <a:t> -- Integrate </a:t>
+            </a:r>
+            <a:r>
+              <a:rPr lang="en-US" sz="2000" dirty="0" err="1"/>
+              <a:t>func</a:t>
+            </a:r>
+            <a:r>
+              <a:rPr lang="en-US" sz="2000" dirty="0"/>
+              <a:t> using Romberg integration.</a:t>
+            </a:r>
+          </a:p>
+          <a:p>
+            <a:r>
+              <a:rPr lang="en-US" sz="2000" dirty="0"/>
+              <a:t>Methods for Integrating Functions given a fixed set of samples:</a:t>
+            </a:r>
+          </a:p>
+          <a:p>
+            <a:r>
+              <a:rPr lang="en-US" sz="2000" dirty="0"/>
+              <a:t>   </a:t>
+            </a:r>
+            <a:r>
+              <a:rPr lang="en-US" sz="2000" dirty="0" err="1">
+                <a:latin typeface="Courier New" panose="02070309020205020404" pitchFamily="49" charset="0"/>
+                <a:cs typeface="Courier New" panose="02070309020205020404" pitchFamily="49" charset="0"/>
+              </a:rPr>
+              <a:t>trapz</a:t>
+            </a:r>
+            <a:r>
+              <a:rPr lang="en-US" sz="2000" dirty="0"/>
+              <a:t> -- Use trapezoidal rule to compute integral from samples.</a:t>
+            </a:r>
+            <a:br>
+              <a:rPr lang="en-US" sz="2000" dirty="0"/>
+            </a:br>
+            <a:r>
+              <a:rPr lang="en-US" sz="2000" dirty="0"/>
+              <a:t>   </a:t>
+            </a:r>
+            <a:r>
+              <a:rPr lang="en-US" sz="2000" dirty="0" err="1">
+                <a:latin typeface="Courier New" panose="02070309020205020404" pitchFamily="49" charset="0"/>
+                <a:cs typeface="Courier New" panose="02070309020205020404" pitchFamily="49" charset="0"/>
+              </a:rPr>
+              <a:t>cumtrapz</a:t>
+            </a:r>
+            <a:r>
+              <a:rPr lang="en-US" sz="2000" dirty="0"/>
+              <a:t> -- Use trapezoidal rule to cumulatively compute integral.</a:t>
+            </a:r>
+            <a:br>
+              <a:rPr lang="en-US" sz="2000" dirty="0"/>
+            </a:br>
+            <a:r>
+              <a:rPr lang="en-US" sz="2000" dirty="0"/>
+              <a:t>   </a:t>
+            </a:r>
+            <a:r>
+              <a:rPr lang="en-US" sz="2000" dirty="0" err="1">
+                <a:latin typeface="Courier New" panose="02070309020205020404" pitchFamily="49" charset="0"/>
+                <a:cs typeface="Courier New" panose="02070309020205020404" pitchFamily="49" charset="0"/>
+              </a:rPr>
+              <a:t>simps</a:t>
+            </a:r>
+            <a:r>
+              <a:rPr lang="en-US" sz="2000" dirty="0"/>
+              <a:t> -- Use Simpson's rule to compute integral from samples.</a:t>
+            </a:r>
+            <a:br>
+              <a:rPr lang="en-US" sz="2000" dirty="0"/>
+            </a:br>
+            <a:r>
+              <a:rPr lang="en-US" sz="2000" dirty="0"/>
+              <a:t>   </a:t>
+            </a:r>
+            <a:r>
+              <a:rPr lang="en-US" sz="2000" dirty="0" err="1">
+                <a:latin typeface="Courier New" panose="02070309020205020404" pitchFamily="49" charset="0"/>
+                <a:cs typeface="Courier New" panose="02070309020205020404" pitchFamily="49" charset="0"/>
+              </a:rPr>
+              <a:t>romb</a:t>
+            </a:r>
+            <a:r>
+              <a:rPr lang="en-US" sz="2000" dirty="0"/>
+              <a:t> -- Use Romberg Integration to compute integral from (2**k + 1) evenly-spaced samples.</a:t>
+            </a:r>
+          </a:p>
+        </p:txBody>
+      </p:sp>
+    </p:spTree>
+    <p:extLst>
+      <p:ext uri="{BB962C8B-B14F-4D97-AF65-F5344CB8AC3E}">
+        <p14:creationId xmlns:p14="http://schemas.microsoft.com/office/powerpoint/2010/main" val="660484798"/>
+      </p:ext>
+    </p:extLst>
+  </p:cSld>
+  <p:clrMapOvr>
+    <a:masterClrMapping/>
+  </p:clrMapOvr>
+</p:sld>
+</file>
+
+<file path=ppt/slides/slide25.xml><?xml version="1.0" encoding="utf-8"?>
+<p:sld xmlns:a="http://schemas.openxmlformats.org/drawingml/2006/main" xmlns:r="http://schemas.openxmlformats.org/officeDocument/2006/relationships" xmlns:p="http://schemas.openxmlformats.org/presentationml/2006/main">
+  <p:cSld>
+    <p:spTree>
+      <p:nvGrpSpPr>
+        <p:cNvPr id="1" name=""/>
+        <p:cNvGrpSpPr/>
+        <p:nvPr/>
+      </p:nvGrpSpPr>
+      <p:grpSpPr>
+        <a:xfrm>
+          <a:off x="0" y="0"/>
+          <a:ext cx="0" cy="0"/>
+          <a:chOff x="0" y="0"/>
+          <a:chExt cx="0" cy="0"/>
+        </a:xfrm>
+      </p:grpSpPr>
+      <p:sp>
+        <p:nvSpPr>
+          <p:cNvPr id="2" name="Titre 1"/>
+          <p:cNvSpPr>
+            <a:spLocks noGrp="1"/>
+          </p:cNvSpPr>
+          <p:nvPr>
+            <p:ph type="title"/>
+          </p:nvPr>
+        </p:nvSpPr>
+        <p:spPr/>
+        <p:txBody>
+          <a:bodyPr/>
+          <a:lstStyle/>
+          <a:p>
+            <a:r>
+              <a:rPr lang="fr-FR" dirty="0" smtClean="0"/>
+              <a:t>Quad</a:t>
+            </a:r>
+            <a:endParaRPr lang="fr-FR" dirty="0"/>
+          </a:p>
+        </p:txBody>
+      </p:sp>
+      <p:sp>
+        <p:nvSpPr>
+          <p:cNvPr id="3" name="Espace réservé du contenu 2"/>
+          <p:cNvSpPr>
+            <a:spLocks noGrp="1"/>
+          </p:cNvSpPr>
+          <p:nvPr>
+            <p:ph idx="1"/>
+          </p:nvPr>
+        </p:nvSpPr>
+        <p:spPr/>
+        <p:txBody>
+          <a:bodyPr/>
+          <a:lstStyle/>
+          <a:p>
+            <a:r>
+              <a:rPr lang="fr-FR" dirty="0" err="1" smtClean="0"/>
+              <a:t>result</a:t>
+            </a:r>
+            <a:r>
+              <a:rPr lang="fr-FR" dirty="0" smtClean="0"/>
+              <a:t> </a:t>
+            </a:r>
+            <a:r>
+              <a:rPr lang="fr-FR" dirty="0"/>
+              <a:t>= </a:t>
+            </a:r>
+            <a:r>
+              <a:rPr lang="fr-FR" dirty="0" err="1"/>
+              <a:t>scipy.integrate.quad</a:t>
+            </a:r>
+            <a:r>
+              <a:rPr lang="fr-FR" dirty="0"/>
+              <a:t>(</a:t>
+            </a:r>
+            <a:r>
+              <a:rPr lang="fr-FR" dirty="0" err="1"/>
+              <a:t>np.sin</a:t>
+            </a:r>
+            <a:r>
+              <a:rPr lang="fr-FR" dirty="0"/>
+              <a:t>, 0, </a:t>
+            </a:r>
+            <a:r>
+              <a:rPr lang="fr-FR" dirty="0" err="1"/>
+              <a:t>np.pi</a:t>
+            </a:r>
+            <a:r>
+              <a:rPr lang="fr-FR" dirty="0" smtClean="0"/>
+              <a:t>)</a:t>
+            </a:r>
+          </a:p>
+          <a:p>
+            <a:pPr lvl="1"/>
+            <a:r>
+              <a:rPr lang="fr-FR" dirty="0" smtClean="0"/>
+              <a:t>(</a:t>
+            </a:r>
+            <a:r>
+              <a:rPr lang="fr-FR" dirty="0"/>
+              <a:t>2.0, 2.220446049250313e-14</a:t>
+            </a:r>
+            <a:r>
+              <a:rPr lang="fr-FR" dirty="0" smtClean="0"/>
+              <a:t>)</a:t>
+            </a:r>
+          </a:p>
+          <a:p>
+            <a:pPr lvl="1"/>
+            <a:r>
+              <a:rPr lang="fr-FR" dirty="0" smtClean="0"/>
+              <a:t>2 </a:t>
+            </a:r>
+            <a:r>
+              <a:rPr lang="fr-FR" dirty="0" err="1"/>
+              <a:t>with</a:t>
+            </a:r>
+            <a:r>
+              <a:rPr lang="fr-FR" dirty="0"/>
+              <a:t> a </a:t>
+            </a:r>
+            <a:r>
+              <a:rPr lang="fr-FR" dirty="0" err="1"/>
+              <a:t>very</a:t>
+            </a:r>
+            <a:r>
+              <a:rPr lang="fr-FR" dirty="0"/>
+              <a:t> </a:t>
+            </a:r>
+            <a:r>
+              <a:rPr lang="fr-FR" dirty="0" err="1"/>
+              <a:t>small</a:t>
+            </a:r>
+            <a:r>
+              <a:rPr lang="fr-FR" dirty="0"/>
+              <a:t> </a:t>
+            </a:r>
+            <a:r>
+              <a:rPr lang="fr-FR" dirty="0" err="1"/>
+              <a:t>error</a:t>
+            </a:r>
+            <a:r>
+              <a:rPr lang="fr-FR" dirty="0"/>
+              <a:t> </a:t>
+            </a:r>
+            <a:r>
+              <a:rPr lang="fr-FR" dirty="0" err="1"/>
+              <a:t>margin</a:t>
+            </a:r>
+            <a:r>
+              <a:rPr lang="fr-FR" dirty="0" smtClean="0"/>
+              <a:t>!</a:t>
+            </a:r>
+          </a:p>
+          <a:p>
+            <a:pPr lvl="1"/>
+            <a:r>
+              <a:rPr lang="fr-FR" dirty="0" err="1" smtClean="0"/>
+              <a:t>result</a:t>
+            </a:r>
+            <a:r>
+              <a:rPr lang="fr-FR" dirty="0" smtClean="0"/>
+              <a:t> </a:t>
+            </a:r>
+            <a:r>
+              <a:rPr lang="fr-FR" dirty="0"/>
+              <a:t>= </a:t>
+            </a:r>
+            <a:r>
+              <a:rPr lang="fr-FR" dirty="0" err="1"/>
+              <a:t>scipy.integrate.quad</a:t>
+            </a:r>
+            <a:r>
+              <a:rPr lang="fr-FR" dirty="0"/>
+              <a:t>(</a:t>
+            </a:r>
+            <a:r>
+              <a:rPr lang="fr-FR" dirty="0" err="1"/>
+              <a:t>np.sin</a:t>
+            </a:r>
+            <a:r>
+              <a:rPr lang="fr-FR" dirty="0"/>
+              <a:t>, -np.inf, +np.inf</a:t>
+            </a:r>
+            <a:r>
+              <a:rPr lang="fr-FR" dirty="0" smtClean="0"/>
+              <a:t>)</a:t>
+            </a:r>
+          </a:p>
+          <a:p>
+            <a:pPr lvl="1"/>
+            <a:r>
+              <a:rPr lang="fr-FR" dirty="0" smtClean="0"/>
+              <a:t>(</a:t>
+            </a:r>
+            <a:r>
+              <a:rPr lang="fr-FR" dirty="0"/>
+              <a:t>0.0, 0.0) </a:t>
+            </a:r>
+            <a:r>
+              <a:rPr lang="fr-FR" dirty="0" err="1" smtClean="0"/>
+              <a:t>Integral</a:t>
+            </a:r>
+            <a:r>
+              <a:rPr lang="fr-FR" dirty="0" smtClean="0"/>
+              <a:t> </a:t>
+            </a:r>
+            <a:r>
+              <a:rPr lang="fr-FR" dirty="0" err="1"/>
+              <a:t>does</a:t>
+            </a:r>
+            <a:r>
+              <a:rPr lang="fr-FR" dirty="0"/>
+              <a:t> not converge</a:t>
+            </a:r>
+          </a:p>
+        </p:txBody>
+      </p:sp>
+      <mc:AlternateContent xmlns:mc="http://schemas.openxmlformats.org/markup-compatibility/2006" xmlns:a14="http://schemas.microsoft.com/office/drawing/2010/main">
+        <mc:Choice Requires="a14">
+          <p:sp>
+            <p:nvSpPr>
+              <p:cNvPr id="4" name="TextBox 5"/>
+              <p:cNvSpPr txBox="1"/>
+              <p:nvPr/>
+            </p:nvSpPr>
+            <p:spPr>
+              <a:xfrm>
+                <a:off x="1211745" y="4653136"/>
+                <a:ext cx="1353063" cy="737894"/>
+              </a:xfrm>
+              <a:prstGeom prst="rect">
+                <a:avLst/>
+              </a:prstGeom>
+              <a:noFill/>
+            </p:spPr>
+            <p:txBody>
+              <a:bodyPr wrap="none" rtlCol="0">
+                <a:spAutoFit/>
+              </a:bodyPr>
+              <a:lstStyle>
+                <a:defPPr>
+                  <a:defRPr lang="en-US"/>
+                </a:defPPr>
+                <a:lvl1pPr marL="0" algn="l" defTabSz="457200" rtl="0" eaLnBrk="1" latinLnBrk="0" hangingPunct="1">
+                  <a:defRPr sz="1800" kern="1200">
+                    <a:solidFill>
+                      <a:schemeClr val="tx1"/>
+                    </a:solidFill>
+                    <a:latin typeface="+mn-lt"/>
+                    <a:ea typeface="+mn-ea"/>
+                    <a:cs typeface="+mn-cs"/>
+                  </a:defRPr>
+                </a:lvl1pPr>
+                <a:lvl2pPr marL="457200" algn="l" defTabSz="457200" rtl="0" eaLnBrk="1" latinLnBrk="0" hangingPunct="1">
+                  <a:defRPr sz="1800" kern="1200">
+                    <a:solidFill>
+                      <a:schemeClr val="tx1"/>
+                    </a:solidFill>
+                    <a:latin typeface="+mn-lt"/>
+                    <a:ea typeface="+mn-ea"/>
+                    <a:cs typeface="+mn-cs"/>
+                  </a:defRPr>
+                </a:lvl2pPr>
+                <a:lvl3pPr marL="914400" algn="l" defTabSz="457200" rtl="0" eaLnBrk="1" latinLnBrk="0" hangingPunct="1">
+                  <a:defRPr sz="1800" kern="1200">
+                    <a:solidFill>
+                      <a:schemeClr val="tx1"/>
+                    </a:solidFill>
+                    <a:latin typeface="+mn-lt"/>
+                    <a:ea typeface="+mn-ea"/>
+                    <a:cs typeface="+mn-cs"/>
+                  </a:defRPr>
+                </a:lvl3pPr>
+                <a:lvl4pPr marL="1371600" algn="l" defTabSz="457200" rtl="0" eaLnBrk="1" latinLnBrk="0" hangingPunct="1">
+                  <a:defRPr sz="1800" kern="1200">
+                    <a:solidFill>
+                      <a:schemeClr val="tx1"/>
+                    </a:solidFill>
+                    <a:latin typeface="+mn-lt"/>
+                    <a:ea typeface="+mn-ea"/>
+                    <a:cs typeface="+mn-cs"/>
+                  </a:defRPr>
+                </a:lvl4pPr>
+                <a:lvl5pPr marL="1828800" algn="l" defTabSz="457200" rtl="0" eaLnBrk="1" latinLnBrk="0" hangingPunct="1">
+                  <a:defRPr sz="1800" kern="1200">
+                    <a:solidFill>
+                      <a:schemeClr val="tx1"/>
+                    </a:solidFill>
+                    <a:latin typeface="+mn-lt"/>
+                    <a:ea typeface="+mn-ea"/>
+                    <a:cs typeface="+mn-cs"/>
+                  </a:defRPr>
+                </a:lvl5pPr>
+                <a:lvl6pPr marL="2286000" algn="l" defTabSz="457200" rtl="0" eaLnBrk="1" latinLnBrk="0" hangingPunct="1">
+                  <a:defRPr sz="1800" kern="1200">
+                    <a:solidFill>
+                      <a:schemeClr val="tx1"/>
+                    </a:solidFill>
+                    <a:latin typeface="+mn-lt"/>
+                    <a:ea typeface="+mn-ea"/>
+                    <a:cs typeface="+mn-cs"/>
+                  </a:defRPr>
+                </a:lvl6pPr>
+                <a:lvl7pPr marL="2743200" algn="l" defTabSz="457200" rtl="0" eaLnBrk="1" latinLnBrk="0" hangingPunct="1">
+                  <a:defRPr sz="1800" kern="1200">
+                    <a:solidFill>
+                      <a:schemeClr val="tx1"/>
+                    </a:solidFill>
+                    <a:latin typeface="+mn-lt"/>
+                    <a:ea typeface="+mn-ea"/>
+                    <a:cs typeface="+mn-cs"/>
+                  </a:defRPr>
+                </a:lvl7pPr>
+                <a:lvl8pPr marL="3200400" algn="l" defTabSz="457200" rtl="0" eaLnBrk="1" latinLnBrk="0" hangingPunct="1">
+                  <a:defRPr sz="1800" kern="1200">
+                    <a:solidFill>
+                      <a:schemeClr val="tx1"/>
+                    </a:solidFill>
+                    <a:latin typeface="+mn-lt"/>
+                    <a:ea typeface="+mn-ea"/>
+                    <a:cs typeface="+mn-cs"/>
+                  </a:defRPr>
+                </a:lvl8pPr>
+                <a:lvl9pPr marL="3657600" algn="l" defTabSz="457200" rtl="0" eaLnBrk="1" latinLnBrk="0" hangingPunct="1">
+                  <a:defRPr sz="1800" kern="1200">
+                    <a:solidFill>
+                      <a:schemeClr val="tx1"/>
+                    </a:solidFill>
+                    <a:latin typeface="+mn-lt"/>
+                    <a:ea typeface="+mn-ea"/>
+                    <a:cs typeface="+mn-cs"/>
+                  </a:defRPr>
+                </a:lvl9pPr>
+              </a:lstStyle>
+              <a:p>
+                <a:pPr/>
+                <a14:m>
+                  <m:oMathPara xmlns:m="http://schemas.openxmlformats.org/officeDocument/2006/math">
+                    <m:oMathParaPr>
+                      <m:jc m:val="centerGroup"/>
+                    </m:oMathParaPr>
+                    <m:oMath xmlns:m="http://schemas.openxmlformats.org/officeDocument/2006/math">
+                      <m:nary>
+                        <m:naryPr>
+                          <m:ctrlPr>
+                            <a:rPr lang="en-US" i="1" smtClean="0">
+                              <a:latin typeface="Cambria Math" panose="02040503050406030204" pitchFamily="18" charset="0"/>
+                            </a:rPr>
+                          </m:ctrlPr>
+                        </m:naryPr>
+                        <m:sub>
+                          <m:r>
+                            <m:rPr>
+                              <m:brk m:alnAt="23"/>
+                            </m:rPr>
+                            <a:rPr lang="en-US" b="0" i="1" smtClean="0">
+                              <a:latin typeface="Cambria Math" panose="02040503050406030204" pitchFamily="18" charset="0"/>
+                            </a:rPr>
+                            <m:t>𝑎</m:t>
+                          </m:r>
+                        </m:sub>
+                        <m:sup>
+                          <m:r>
+                            <a:rPr lang="en-US" b="0" i="1" smtClean="0">
+                              <a:latin typeface="Cambria Math" panose="02040503050406030204" pitchFamily="18" charset="0"/>
+                            </a:rPr>
+                            <m:t>𝑏</m:t>
+                          </m:r>
+                        </m:sup>
+                        <m:e>
+                          <m:func>
+                            <m:funcPr>
+                              <m:ctrlPr>
+                                <a:rPr lang="en-US" i="1" smtClean="0">
+                                  <a:latin typeface="Cambria Math" panose="02040503050406030204" pitchFamily="18" charset="0"/>
+                                </a:rPr>
+                              </m:ctrlPr>
+                            </m:funcPr>
+                            <m:fName>
+                              <m:r>
+                                <m:rPr>
+                                  <m:sty m:val="p"/>
+                                </m:rPr>
+                                <a:rPr lang="en-US" i="0" smtClean="0">
+                                  <a:latin typeface="Cambria Math" panose="02040503050406030204" pitchFamily="18" charset="0"/>
+                                </a:rPr>
+                                <m:t>sin</m:t>
+                              </m:r>
+                            </m:fName>
+                            <m:e>
+                              <m:r>
+                                <a:rPr lang="en-US" b="0" i="1" smtClean="0">
+                                  <a:latin typeface="Cambria Math" panose="02040503050406030204" pitchFamily="18" charset="0"/>
+                                </a:rPr>
+                                <m:t>𝑥</m:t>
+                              </m:r>
+                            </m:e>
+                          </m:func>
+                          <m:r>
+                            <a:rPr lang="en-US" b="0" i="1" smtClean="0">
+                              <a:latin typeface="Cambria Math" panose="02040503050406030204" pitchFamily="18" charset="0"/>
+                            </a:rPr>
+                            <m:t>𝑑𝑥</m:t>
+                          </m:r>
+                        </m:e>
+                      </m:nary>
+                    </m:oMath>
+                  </m:oMathPara>
+                </a14:m>
+                <a:endParaRPr lang="en-US" dirty="0"/>
+              </a:p>
+            </p:txBody>
+          </p:sp>
+        </mc:Choice>
+        <mc:Fallback xmlns="">
+          <p:sp>
+            <p:nvSpPr>
+              <p:cNvPr id="4" name="TextBox 5"/>
+              <p:cNvSpPr txBox="1">
+                <a:spLocks noRot="1" noChangeAspect="1" noMove="1" noResize="1" noEditPoints="1" noAdjustHandles="1" noChangeArrowheads="1" noChangeShapeType="1" noTextEdit="1"/>
+              </p:cNvSpPr>
+              <p:nvPr/>
+            </p:nvSpPr>
+            <p:spPr>
+              <a:xfrm>
+                <a:off x="1211745" y="4653136"/>
+                <a:ext cx="1353063" cy="737894"/>
+              </a:xfrm>
+              <a:prstGeom prst="rect">
+                <a:avLst/>
+              </a:prstGeom>
+              <a:blipFill>
+                <a:blip r:embed="rId2"/>
+                <a:stretch>
+                  <a:fillRect/>
+                </a:stretch>
+              </a:blipFill>
+            </p:spPr>
+            <p:txBody>
+              <a:bodyPr/>
+              <a:lstStyle/>
+              <a:p>
+                <a:r>
+                  <a:rPr lang="fr-FR">
+                    <a:noFill/>
+                  </a:rPr>
+                  <a:t> </a:t>
+                </a:r>
+              </a:p>
+            </p:txBody>
+          </p:sp>
+        </mc:Fallback>
+      </mc:AlternateContent>
+      <p:pic>
+        <p:nvPicPr>
+          <p:cNvPr id="5" name="Picture 3"/>
+          <p:cNvPicPr>
+            <a:picLocks noChangeAspect="1"/>
+          </p:cNvPicPr>
+          <p:nvPr/>
+        </p:nvPicPr>
+        <p:blipFill>
+          <a:blip r:embed="rId3"/>
+          <a:stretch>
+            <a:fillRect/>
+          </a:stretch>
+        </p:blipFill>
+        <p:spPr>
+          <a:xfrm>
+            <a:off x="4067944" y="4293096"/>
+            <a:ext cx="2445155" cy="1680416"/>
+          </a:xfrm>
+          <a:prstGeom prst="rect">
+            <a:avLst/>
+          </a:prstGeom>
+        </p:spPr>
+      </p:pic>
+    </p:spTree>
+    <p:extLst>
+      <p:ext uri="{BB962C8B-B14F-4D97-AF65-F5344CB8AC3E}">
+        <p14:creationId xmlns:p14="http://schemas.microsoft.com/office/powerpoint/2010/main" val="2881004443"/>
       </p:ext>
     </p:extLst>
   </p:cSld>

--- a/ppt/PythonMath10-Scipy.pptx
+++ b/ppt/PythonMath10-Scipy.pptx
@@ -12,30 +12,30 @@
   </p:handoutMasterIdLst>
   <p:sldIdLst>
     <p:sldId id="264" r:id="rId2"/>
-    <p:sldId id="284" r:id="rId3"/>
-    <p:sldId id="285" r:id="rId4"/>
-    <p:sldId id="286" r:id="rId5"/>
-    <p:sldId id="287" r:id="rId6"/>
-    <p:sldId id="288" r:id="rId7"/>
-    <p:sldId id="289" r:id="rId8"/>
-    <p:sldId id="292" r:id="rId9"/>
-    <p:sldId id="293" r:id="rId10"/>
-    <p:sldId id="294" r:id="rId11"/>
-    <p:sldId id="298" r:id="rId12"/>
-    <p:sldId id="318" r:id="rId13"/>
-    <p:sldId id="322" r:id="rId14"/>
-    <p:sldId id="323" r:id="rId15"/>
-    <p:sldId id="324" r:id="rId16"/>
-    <p:sldId id="278" r:id="rId17"/>
-    <p:sldId id="283" r:id="rId18"/>
-    <p:sldId id="280" r:id="rId19"/>
-    <p:sldId id="326" r:id="rId20"/>
-    <p:sldId id="327" r:id="rId21"/>
-    <p:sldId id="328" r:id="rId22"/>
-    <p:sldId id="329" r:id="rId23"/>
-    <p:sldId id="325" r:id="rId24"/>
-    <p:sldId id="330" r:id="rId25"/>
-    <p:sldId id="331" r:id="rId26"/>
+    <p:sldId id="285" r:id="rId3"/>
+    <p:sldId id="286" r:id="rId4"/>
+    <p:sldId id="287" r:id="rId5"/>
+    <p:sldId id="288" r:id="rId6"/>
+    <p:sldId id="289" r:id="rId7"/>
+    <p:sldId id="292" r:id="rId8"/>
+    <p:sldId id="293" r:id="rId9"/>
+    <p:sldId id="294" r:id="rId10"/>
+    <p:sldId id="298" r:id="rId11"/>
+    <p:sldId id="318" r:id="rId12"/>
+    <p:sldId id="322" r:id="rId13"/>
+    <p:sldId id="323" r:id="rId14"/>
+    <p:sldId id="324" r:id="rId15"/>
+    <p:sldId id="278" r:id="rId16"/>
+    <p:sldId id="283" r:id="rId17"/>
+    <p:sldId id="280" r:id="rId18"/>
+    <p:sldId id="326" r:id="rId19"/>
+    <p:sldId id="327" r:id="rId20"/>
+    <p:sldId id="328" r:id="rId21"/>
+    <p:sldId id="329" r:id="rId22"/>
+    <p:sldId id="325" r:id="rId23"/>
+    <p:sldId id="330" r:id="rId24"/>
+    <p:sldId id="331" r:id="rId25"/>
+    <p:sldId id="332" r:id="rId26"/>
   </p:sldIdLst>
   <p:sldSz cx="9144000" cy="6858000" type="screen4x3"/>
   <p:notesSz cx="6648450" cy="9782175"/>
@@ -3812,121 +3812,6 @@
           <a:p>
             <a:r>
               <a:rPr lang="fr-FR" dirty="0"/>
-              <a:t>La régression n’est pas tous les temps linéaire</a:t>
-            </a:r>
-          </a:p>
-        </p:txBody>
-      </p:sp>
-      <p:sp>
-        <p:nvSpPr>
-          <p:cNvPr id="3" name="Espace réservé du contenu 2"/>
-          <p:cNvSpPr>
-            <a:spLocks noGrp="1"/>
-          </p:cNvSpPr>
-          <p:nvPr>
-            <p:ph idx="1"/>
-          </p:nvPr>
-        </p:nvSpPr>
-        <p:spPr/>
-        <p:txBody>
-          <a:bodyPr/>
-          <a:lstStyle/>
-          <a:p>
-            <a:r>
-              <a:rPr lang="fr-FR" dirty="0"/>
-              <a:t>Dans cette exemple il est impossible de faire filer une droite</a:t>
-            </a:r>
-          </a:p>
-        </p:txBody>
-      </p:sp>
-      <p:pic>
-        <p:nvPicPr>
-          <p:cNvPr id="4098" name="Picture 2" descr="Comme on peut le voir sur ce genre de données, c'est difficile de faire fitter une droite!"/>
-          <p:cNvPicPr>
-            <a:picLocks noChangeAspect="1" noChangeArrowheads="1"/>
-          </p:cNvPicPr>
-          <p:nvPr/>
-        </p:nvPicPr>
-        <p:blipFill>
-          <a:blip r:embed="rId2">
-            <a:extLst>
-              <a:ext uri="{28A0092B-C50C-407E-A947-70E740481C1C}">
-                <a14:useLocalDpi xmlns:a14="http://schemas.microsoft.com/office/drawing/2010/main" val="0"/>
-              </a:ext>
-            </a:extLst>
-          </a:blip>
-          <a:srcRect/>
-          <a:stretch>
-            <a:fillRect/>
-          </a:stretch>
-        </p:blipFill>
-        <p:spPr bwMode="auto">
-          <a:xfrm>
-            <a:off x="2339752" y="1860773"/>
-            <a:ext cx="4714875" cy="4619626"/>
-          </a:xfrm>
-          <a:prstGeom prst="rect">
-            <a:avLst/>
-          </a:prstGeom>
-          <a:noFill/>
-          <a:extLst>
-            <a:ext uri="{909E8E84-426E-40DD-AFC4-6F175D3DCCD1}">
-              <a14:hiddenFill xmlns:a14="http://schemas.microsoft.com/office/drawing/2010/main">
-                <a:solidFill>
-                  <a:srgbClr val="FFFFFF"/>
-                </a:solidFill>
-              </a14:hiddenFill>
-            </a:ext>
-          </a:extLst>
-        </p:spPr>
-      </p:pic>
-    </p:spTree>
-    <p:extLst>
-      <p:ext uri="{BB962C8B-B14F-4D97-AF65-F5344CB8AC3E}">
-        <p14:creationId xmlns:p14="http://schemas.microsoft.com/office/powerpoint/2010/main" val="1944136119"/>
-      </p:ext>
-    </p:extLst>
-  </p:cSld>
-  <p:clrMapOvr>
-    <a:masterClrMapping/>
-  </p:clrMapOvr>
-</p:sld>
-</file>
-
-<file path=ppt/slides/slide11.xml><?xml version="1.0" encoding="utf-8"?>
-<p:sld xmlns:a="http://schemas.openxmlformats.org/drawingml/2006/main" xmlns:r="http://schemas.openxmlformats.org/officeDocument/2006/relationships" xmlns:p="http://schemas.openxmlformats.org/presentationml/2006/main">
-  <p:cSld>
-    <p:spTree>
-      <p:nvGrpSpPr>
-        <p:cNvPr id="1" name=""/>
-        <p:cNvGrpSpPr/>
-        <p:nvPr/>
-      </p:nvGrpSpPr>
-      <p:grpSpPr>
-        <a:xfrm>
-          <a:off x="0" y="0"/>
-          <a:ext cx="0" cy="0"/>
-          <a:chOff x="0" y="0"/>
-          <a:chExt cx="0" cy="0"/>
-        </a:xfrm>
-      </p:grpSpPr>
-      <p:sp>
-        <p:nvSpPr>
-          <p:cNvPr id="2" name="Titre 1"/>
-          <p:cNvSpPr>
-            <a:spLocks noGrp="1"/>
-          </p:cNvSpPr>
-          <p:nvPr>
-            <p:ph type="title"/>
-          </p:nvPr>
-        </p:nvSpPr>
-        <p:spPr/>
-        <p:txBody>
-          <a:bodyPr/>
-          <a:lstStyle/>
-          <a:p>
-            <a:r>
-              <a:rPr lang="fr-FR" dirty="0"/>
               <a:t>Machine Learning</a:t>
             </a:r>
           </a:p>
@@ -3988,7 +3873,7 @@
 </p:sld>
 </file>
 
-<file path=ppt/slides/slide12.xml><?xml version="1.0" encoding="utf-8"?>
+<file path=ppt/slides/slide11.xml><?xml version="1.0" encoding="utf-8"?>
 <p:sld xmlns:a="http://schemas.openxmlformats.org/drawingml/2006/main" xmlns:r="http://schemas.openxmlformats.org/officeDocument/2006/relationships" xmlns:p="http://schemas.openxmlformats.org/presentationml/2006/main">
   <p:cSld>
     <p:spTree>
@@ -4099,7 +3984,7 @@
 </p:sld>
 </file>
 
-<file path=ppt/slides/slide13.xml><?xml version="1.0" encoding="utf-8"?>
+<file path=ppt/slides/slide12.xml><?xml version="1.0" encoding="utf-8"?>
 <p:sld xmlns:a="http://schemas.openxmlformats.org/drawingml/2006/main" xmlns:r="http://schemas.openxmlformats.org/officeDocument/2006/relationships" xmlns:p="http://schemas.openxmlformats.org/presentationml/2006/main">
   <p:cSld>
     <p:spTree>
@@ -4221,7 +4106,7 @@
 </p:sld>
 </file>
 
-<file path=ppt/slides/slide14.xml><?xml version="1.0" encoding="utf-8"?>
+<file path=ppt/slides/slide13.xml><?xml version="1.0" encoding="utf-8"?>
 <p:sld xmlns:a="http://schemas.openxmlformats.org/drawingml/2006/main" xmlns:r="http://schemas.openxmlformats.org/officeDocument/2006/relationships" xmlns:p="http://schemas.openxmlformats.org/presentationml/2006/main">
   <p:cSld>
     <p:spTree>
@@ -4333,7 +4218,7 @@
 </p:sld>
 </file>
 
-<file path=ppt/slides/slide15.xml><?xml version="1.0" encoding="utf-8"?>
+<file path=ppt/slides/slide14.xml><?xml version="1.0" encoding="utf-8"?>
 <p:sld xmlns:a="http://schemas.openxmlformats.org/drawingml/2006/main" xmlns:r="http://schemas.openxmlformats.org/officeDocument/2006/relationships" xmlns:p="http://schemas.openxmlformats.org/presentationml/2006/main">
   <p:cSld>
     <p:spTree>
@@ -4527,7 +4412,7 @@
 </p:sld>
 </file>
 
-<file path=ppt/slides/slide16.xml><?xml version="1.0" encoding="utf-8"?>
+<file path=ppt/slides/slide15.xml><?xml version="1.0" encoding="utf-8"?>
 <p:sld xmlns:a="http://schemas.openxmlformats.org/drawingml/2006/main" xmlns:r="http://schemas.openxmlformats.org/officeDocument/2006/relationships" xmlns:p="http://schemas.openxmlformats.org/presentationml/2006/main">
   <p:cSld>
     <p:spTree>
@@ -4670,7 +4555,7 @@
 </p:sld>
 </file>
 
-<file path=ppt/slides/slide17.xml><?xml version="1.0" encoding="utf-8"?>
+<file path=ppt/slides/slide16.xml><?xml version="1.0" encoding="utf-8"?>
 <p:sld xmlns:a="http://schemas.openxmlformats.org/drawingml/2006/main" xmlns:r="http://schemas.openxmlformats.org/officeDocument/2006/relationships" xmlns:p="http://schemas.openxmlformats.org/presentationml/2006/main">
   <p:cSld>
     <p:spTree>
@@ -4855,7 +4740,7 @@
 </p:sld>
 </file>
 
-<file path=ppt/slides/slide18.xml><?xml version="1.0" encoding="utf-8"?>
+<file path=ppt/slides/slide17.xml><?xml version="1.0" encoding="utf-8"?>
 <p:sld xmlns:a="http://schemas.openxmlformats.org/drawingml/2006/main" xmlns:r="http://schemas.openxmlformats.org/officeDocument/2006/relationships" xmlns:p="http://schemas.openxmlformats.org/presentationml/2006/main">
   <p:cSld>
     <p:spTree>
@@ -4983,7 +4868,7 @@
 </p:sld>
 </file>
 
-<file path=ppt/slides/slide19.xml><?xml version="1.0" encoding="utf-8"?>
+<file path=ppt/slides/slide18.xml><?xml version="1.0" encoding="utf-8"?>
 <p:sld xmlns:a="http://schemas.openxmlformats.org/drawingml/2006/main" xmlns:r="http://schemas.openxmlformats.org/officeDocument/2006/relationships" xmlns:p="http://schemas.openxmlformats.org/presentationml/2006/main">
   <p:cSld>
     <p:spTree>
@@ -5169,115 +5054,7 @@
 </p:sld>
 </file>
 
-<file path=ppt/slides/slide2.xml><?xml version="1.0" encoding="utf-8"?>
-<p:sld xmlns:a="http://schemas.openxmlformats.org/drawingml/2006/main" xmlns:r="http://schemas.openxmlformats.org/officeDocument/2006/relationships" xmlns:p="http://schemas.openxmlformats.org/presentationml/2006/main">
-  <p:cSld>
-    <p:spTree>
-      <p:nvGrpSpPr>
-        <p:cNvPr id="1" name=""/>
-        <p:cNvGrpSpPr/>
-        <p:nvPr/>
-      </p:nvGrpSpPr>
-      <p:grpSpPr>
-        <a:xfrm>
-          <a:off x="0" y="0"/>
-          <a:ext cx="0" cy="0"/>
-          <a:chOff x="0" y="0"/>
-          <a:chExt cx="0" cy="0"/>
-        </a:xfrm>
-      </p:grpSpPr>
-      <p:sp>
-        <p:nvSpPr>
-          <p:cNvPr id="2" name="Titre 1"/>
-          <p:cNvSpPr>
-            <a:spLocks noGrp="1"/>
-          </p:cNvSpPr>
-          <p:nvPr>
-            <p:ph type="title"/>
-          </p:nvPr>
-        </p:nvSpPr>
-        <p:spPr/>
-        <p:txBody>
-          <a:bodyPr/>
-          <a:lstStyle/>
-          <a:p>
-            <a:r>
-              <a:rPr lang="fr-FR" dirty="0"/>
-              <a:t>1</a:t>
-            </a:r>
-            <a:r>
-              <a:rPr lang="fr-FR" baseline="30000" dirty="0"/>
-              <a:t>ère</a:t>
-            </a:r>
-            <a:r>
-              <a:rPr lang="fr-FR" dirty="0"/>
-              <a:t> étape</a:t>
-            </a:r>
-          </a:p>
-        </p:txBody>
-      </p:sp>
-      <p:sp>
-        <p:nvSpPr>
-          <p:cNvPr id="3" name="Espace réservé du contenu 2"/>
-          <p:cNvSpPr>
-            <a:spLocks noGrp="1"/>
-          </p:cNvSpPr>
-          <p:nvPr>
-            <p:ph idx="1"/>
-          </p:nvPr>
-        </p:nvSpPr>
-        <p:spPr/>
-        <p:txBody>
-          <a:bodyPr/>
-          <a:lstStyle/>
-          <a:p>
-            <a:r>
-              <a:rPr lang="fr-FR" dirty="0"/>
-              <a:t>Trouver les données</a:t>
-            </a:r>
-          </a:p>
-          <a:p>
-            <a:pPr lvl="1"/>
-            <a:r>
-              <a:rPr lang="fr-FR" dirty="0"/>
-              <a:t>Mise à disposition d’un data </a:t>
-            </a:r>
-            <a:r>
-              <a:rPr lang="fr-FR" dirty="0" err="1"/>
-              <a:t>lake</a:t>
-            </a:r>
-            <a:r>
-              <a:rPr lang="fr-FR" dirty="0"/>
-              <a:t> ou d’un data </a:t>
-            </a:r>
-            <a:r>
-              <a:rPr lang="fr-FR" dirty="0" err="1"/>
-              <a:t>mart</a:t>
-            </a:r>
-            <a:endParaRPr lang="fr-FR" dirty="0"/>
-          </a:p>
-          <a:p>
-            <a:r>
-              <a:rPr lang="fr-FR" dirty="0"/>
-              <a:t>Le jeu de données utilisé s’appel le Dataset</a:t>
-            </a:r>
-          </a:p>
-        </p:txBody>
-      </p:sp>
-    </p:spTree>
-    <p:extLst>
-      <p:ext uri="{BB962C8B-B14F-4D97-AF65-F5344CB8AC3E}">
-        <p14:creationId xmlns:p14="http://schemas.microsoft.com/office/powerpoint/2010/main" val="4197331841"/>
-      </p:ext>
-    </p:extLst>
-  </p:cSld>
-  <p:clrMapOvr>
-    <a:masterClrMapping/>
-  </p:clrMapOvr>
-</p:sld>
-</file>
-
-<file path=ppt/slides/slide20.xml><?xml version="1.0" encoding="utf-8"?>
+<file path=ppt/slides/slide19.xml><?xml version="1.0" encoding="utf-8"?>
 <p:sld xmlns:a="http://schemas.openxmlformats.org/drawingml/2006/main" xmlns:r="http://schemas.openxmlformats.org/officeDocument/2006/relationships" xmlns:p="http://schemas.openxmlformats.org/presentationml/2006/main">
   <p:cSld>
     <p:spTree>
@@ -5434,7 +5211,94 @@
 </p:sld>
 </file>
 
-<file path=ppt/slides/slide21.xml><?xml version="1.0" encoding="utf-8"?>
+<file path=ppt/slides/slide2.xml><?xml version="1.0" encoding="utf-8"?>
+<p:sld xmlns:a="http://schemas.openxmlformats.org/drawingml/2006/main" xmlns:r="http://schemas.openxmlformats.org/officeDocument/2006/relationships" xmlns:p="http://schemas.openxmlformats.org/presentationml/2006/main">
+  <p:cSld>
+    <p:spTree>
+      <p:nvGrpSpPr>
+        <p:cNvPr id="1" name=""/>
+        <p:cNvGrpSpPr/>
+        <p:nvPr/>
+      </p:nvGrpSpPr>
+      <p:grpSpPr>
+        <a:xfrm>
+          <a:off x="0" y="0"/>
+          <a:ext cx="0" cy="0"/>
+          <a:chOff x="0" y="0"/>
+          <a:chExt cx="0" cy="0"/>
+        </a:xfrm>
+      </p:grpSpPr>
+      <p:sp>
+        <p:nvSpPr>
+          <p:cNvPr id="2" name="Titre 1"/>
+          <p:cNvSpPr>
+            <a:spLocks noGrp="1"/>
+          </p:cNvSpPr>
+          <p:nvPr>
+            <p:ph type="title"/>
+          </p:nvPr>
+        </p:nvSpPr>
+        <p:spPr/>
+        <p:txBody>
+          <a:bodyPr/>
+          <a:lstStyle/>
+          <a:p>
+            <a:r>
+              <a:rPr lang="fr-FR" dirty="0"/>
+              <a:t>But</a:t>
+            </a:r>
+          </a:p>
+        </p:txBody>
+      </p:sp>
+      <p:sp>
+        <p:nvSpPr>
+          <p:cNvPr id="3" name="Espace réservé du contenu 2"/>
+          <p:cNvSpPr>
+            <a:spLocks noGrp="1"/>
+          </p:cNvSpPr>
+          <p:nvPr>
+            <p:ph idx="1"/>
+          </p:nvPr>
+        </p:nvSpPr>
+        <p:spPr/>
+        <p:txBody>
+          <a:bodyPr/>
+          <a:lstStyle/>
+          <a:p>
+            <a:r>
+              <a:rPr lang="fr-FR" dirty="0"/>
+              <a:t>En data science plus généralement, l'objectif est de trouver un modèle du phénomène à l'origine des données</a:t>
+            </a:r>
+          </a:p>
+          <a:p>
+            <a:r>
+              <a:rPr lang="fr-FR" dirty="0"/>
+              <a:t>C'est à dire qu'on considère que chaque donnée observée est l'expression d'une variable aléatoire générée par une distribution de probabilité</a:t>
+            </a:r>
+          </a:p>
+          <a:p>
+            <a:pPr lvl="1"/>
+            <a:r>
+              <a:rPr lang="fr-FR" dirty="0"/>
+              <a:t>Par exemple les sondages</a:t>
+            </a:r>
+          </a:p>
+        </p:txBody>
+      </p:sp>
+    </p:spTree>
+    <p:extLst>
+      <p:ext uri="{BB962C8B-B14F-4D97-AF65-F5344CB8AC3E}">
+        <p14:creationId xmlns:p14="http://schemas.microsoft.com/office/powerpoint/2010/main" val="2274803985"/>
+      </p:ext>
+    </p:extLst>
+  </p:cSld>
+  <p:clrMapOvr>
+    <a:masterClrMapping/>
+  </p:clrMapOvr>
+</p:sld>
+</file>
+
+<file path=ppt/slides/slide20.xml><?xml version="1.0" encoding="utf-8"?>
 <p:sld xmlns:a="http://schemas.openxmlformats.org/drawingml/2006/main" xmlns:r="http://schemas.openxmlformats.org/officeDocument/2006/relationships" xmlns:p="http://schemas.openxmlformats.org/presentationml/2006/main">
   <p:cSld>
     <p:spTree>
@@ -5593,7 +5457,7 @@
 </p:sld>
 </file>
 
-<file path=ppt/slides/slide22.xml><?xml version="1.0" encoding="utf-8"?>
+<file path=ppt/slides/slide21.xml><?xml version="1.0" encoding="utf-8"?>
 <p:sld xmlns:a="http://schemas.openxmlformats.org/drawingml/2006/main" xmlns:r="http://schemas.openxmlformats.org/officeDocument/2006/relationships" xmlns:p="http://schemas.openxmlformats.org/presentationml/2006/main">
   <p:cSld>
     <p:spTree>
@@ -5737,6 +5601,97 @@
 </p:sld>
 </file>
 
+<file path=ppt/slides/slide22.xml><?xml version="1.0" encoding="utf-8"?>
+<p:sld xmlns:a="http://schemas.openxmlformats.org/drawingml/2006/main" xmlns:r="http://schemas.openxmlformats.org/officeDocument/2006/relationships" xmlns:p="http://schemas.openxmlformats.org/presentationml/2006/main">
+  <p:cSld>
+    <p:spTree>
+      <p:nvGrpSpPr>
+        <p:cNvPr id="1" name=""/>
+        <p:cNvGrpSpPr/>
+        <p:nvPr/>
+      </p:nvGrpSpPr>
+      <p:grpSpPr>
+        <a:xfrm>
+          <a:off x="0" y="0"/>
+          <a:ext cx="0" cy="0"/>
+          <a:chOff x="0" y="0"/>
+          <a:chExt cx="0" cy="0"/>
+        </a:xfrm>
+      </p:grpSpPr>
+      <p:sp>
+        <p:nvSpPr>
+          <p:cNvPr id="2" name="Titre 1"/>
+          <p:cNvSpPr>
+            <a:spLocks noGrp="1"/>
+          </p:cNvSpPr>
+          <p:nvPr>
+            <p:ph type="title"/>
+          </p:nvPr>
+        </p:nvSpPr>
+        <p:spPr/>
+        <p:txBody>
+          <a:bodyPr/>
+          <a:lstStyle/>
+          <a:p>
+            <a:r>
+              <a:rPr lang="fr-FR" dirty="0" err="1"/>
+              <a:t>Curvefit</a:t>
+            </a:r>
+            <a:endParaRPr lang="fr-FR" dirty="0"/>
+          </a:p>
+        </p:txBody>
+      </p:sp>
+      <p:sp>
+        <p:nvSpPr>
+          <p:cNvPr id="3" name="Espace réservé du contenu 2"/>
+          <p:cNvSpPr>
+            <a:spLocks noGrp="1"/>
+          </p:cNvSpPr>
+          <p:nvPr>
+            <p:ph idx="1"/>
+          </p:nvPr>
+        </p:nvSpPr>
+        <p:spPr/>
+        <p:txBody>
+          <a:bodyPr/>
+          <a:lstStyle/>
+          <a:p>
+            <a:r>
+              <a:rPr lang="fr-FR" dirty="0" err="1"/>
+              <a:t>Curvefit</a:t>
+            </a:r>
+            <a:r>
+              <a:rPr lang="fr-FR" dirty="0"/>
+              <a:t> permet d’effectuer une régression sur n’importe quelle fonction</a:t>
+            </a:r>
+          </a:p>
+          <a:p>
+            <a:pPr lvl="1"/>
+            <a:r>
+              <a:rPr lang="fr-FR" dirty="0"/>
+              <a:t>Uniquement à partir de </a:t>
+            </a:r>
+            <a:r>
+              <a:rPr lang="fr-FR"/>
+              <a:t>np.array</a:t>
+            </a:r>
+            <a:endParaRPr lang="fr-FR" dirty="0"/>
+          </a:p>
+        </p:txBody>
+      </p:sp>
+    </p:spTree>
+    <p:extLst>
+      <p:ext uri="{BB962C8B-B14F-4D97-AF65-F5344CB8AC3E}">
+        <p14:creationId xmlns:p14="http://schemas.microsoft.com/office/powerpoint/2010/main" val="4258102882"/>
+      </p:ext>
+    </p:extLst>
+  </p:cSld>
+  <p:clrMapOvr>
+    <a:masterClrMapping/>
+  </p:clrMapOvr>
+</p:sld>
+</file>
+
 <file path=ppt/slides/slide23.xml><?xml version="1.0" encoding="utf-8"?>
 <p:sld xmlns:a="http://schemas.openxmlformats.org/drawingml/2006/main" xmlns:r="http://schemas.openxmlformats.org/officeDocument/2006/relationships" xmlns:p="http://schemas.openxmlformats.org/presentationml/2006/main">
   <p:cSld>
@@ -5771,7 +5726,7 @@
           <a:p>
             <a:r>
               <a:rPr lang="fr-FR" dirty="0" err="1"/>
-              <a:t>Curvefit</a:t>
+              <a:t>Scipy.Integrate</a:t>
             </a:r>
             <a:endParaRPr lang="fr-FR" dirty="0"/>
           </a:p>
@@ -5793,32 +5748,123 @@
           <a:lstStyle/>
           <a:p>
             <a:r>
-              <a:rPr lang="fr-FR" dirty="0" err="1"/>
-              <a:t>Curvefit</a:t>
-            </a:r>
-            <a:r>
-              <a:rPr lang="fr-FR" dirty="0"/>
-              <a:t> permet d’effectuer une régression sur n’importe quelle fonction</a:t>
-            </a:r>
-          </a:p>
-          <a:p>
-            <a:pPr lvl="1"/>
-            <a:r>
-              <a:rPr lang="fr-FR" dirty="0"/>
-              <a:t>Uniquement à partir de </a:t>
-            </a:r>
-            <a:r>
-              <a:rPr lang="fr-FR"/>
-              <a:t>np.array</a:t>
-            </a:r>
-            <a:endParaRPr lang="fr-FR" dirty="0"/>
+              <a:rPr lang="en-US" sz="2400" dirty="0" err="1">
+                <a:latin typeface="+mj-lt"/>
+              </a:rPr>
+              <a:t>Calcul</a:t>
+            </a:r>
+            <a:r>
+              <a:rPr lang="en-US" sz="2400" dirty="0">
+                <a:latin typeface="+mj-lt"/>
+              </a:rPr>
+              <a:t> des integrals</a:t>
+            </a:r>
+          </a:p>
+          <a:p>
+            <a:r>
+              <a:rPr lang="en-US" sz="2400" dirty="0">
+                <a:latin typeface="+mj-lt"/>
+                <a:cs typeface="Courier New" panose="02070309020205020404" pitchFamily="49" charset="0"/>
+              </a:rPr>
+              <a:t>quad</a:t>
+            </a:r>
+            <a:r>
+              <a:rPr lang="en-US" sz="2400" dirty="0">
+                <a:latin typeface="+mj-lt"/>
+              </a:rPr>
+              <a:t> : </a:t>
+            </a:r>
+            <a:r>
+              <a:rPr lang="en-US" sz="2400" dirty="0" err="1">
+                <a:latin typeface="+mj-lt"/>
+              </a:rPr>
+              <a:t>Intégration</a:t>
+            </a:r>
+            <a:r>
+              <a:rPr lang="en-US" sz="2400" dirty="0">
+                <a:latin typeface="+mj-lt"/>
+              </a:rPr>
+              <a:t> simple</a:t>
+            </a:r>
+          </a:p>
+          <a:p>
+            <a:r>
+              <a:rPr lang="en-US" sz="2400" dirty="0" err="1">
+                <a:latin typeface="+mj-lt"/>
+              </a:rPr>
+              <a:t>Dblquad</a:t>
+            </a:r>
+            <a:r>
+              <a:rPr lang="en-US" sz="2400" dirty="0">
+                <a:latin typeface="+mj-lt"/>
+              </a:rPr>
+              <a:t> : double integration</a:t>
+            </a:r>
+          </a:p>
+          <a:p>
+            <a:r>
+              <a:rPr lang="en-US" sz="2400" dirty="0" err="1">
+                <a:latin typeface="+mj-lt"/>
+              </a:rPr>
+              <a:t>Tplquad</a:t>
+            </a:r>
+            <a:r>
+              <a:rPr lang="en-US" sz="2400" dirty="0">
+                <a:latin typeface="+mj-lt"/>
+              </a:rPr>
+              <a:t> : triple integration</a:t>
+            </a:r>
+          </a:p>
+          <a:p>
+            <a:r>
+              <a:rPr lang="en-US" sz="2400" dirty="0">
+                <a:latin typeface="+mj-lt"/>
+              </a:rPr>
+              <a:t>La </a:t>
+            </a:r>
+            <a:r>
+              <a:rPr lang="en-US" sz="2400" dirty="0" err="1">
+                <a:latin typeface="+mj-lt"/>
+              </a:rPr>
+              <a:t>méthode</a:t>
+            </a:r>
+            <a:r>
+              <a:rPr lang="en-US" sz="2400" dirty="0">
+                <a:latin typeface="+mj-lt"/>
+              </a:rPr>
+              <a:t> </a:t>
+            </a:r>
+            <a:r>
+              <a:rPr lang="en-US" sz="2400" dirty="0" err="1">
+                <a:latin typeface="+mj-lt"/>
+              </a:rPr>
+              <a:t>est</a:t>
+            </a:r>
+            <a:r>
+              <a:rPr lang="en-US" sz="2400" dirty="0">
+                <a:latin typeface="+mj-lt"/>
+              </a:rPr>
+              <a:t> base sur des trapezes (</a:t>
+            </a:r>
+            <a:r>
+              <a:rPr lang="en-US" sz="2400" dirty="0" err="1">
+                <a:latin typeface="+mj-lt"/>
+              </a:rPr>
+              <a:t>trapz</a:t>
+            </a:r>
+            <a:r>
+              <a:rPr lang="en-US" sz="2400" dirty="0">
+                <a:latin typeface="+mj-lt"/>
+              </a:rPr>
+              <a:t>)</a:t>
+            </a:r>
           </a:p>
         </p:txBody>
       </p:sp>
     </p:spTree>
     <p:extLst>
       <p:ext uri="{BB962C8B-B14F-4D97-AF65-F5344CB8AC3E}">
-        <p14:creationId xmlns:p14="http://schemas.microsoft.com/office/powerpoint/2010/main" val="4258102882"/>
+        <p14:creationId xmlns:p14="http://schemas.microsoft.com/office/powerpoint/2010/main" val="660484798"/>
       </p:ext>
     </p:extLst>
   </p:cSld>
@@ -5861,10 +5907,9 @@
           <a:lstStyle/>
           <a:p>
             <a:r>
-              <a:rPr lang="fr-FR" dirty="0" err="1"/>
-              <a:t>Scipy.Integrate</a:t>
-            </a:r>
-            <a:endParaRPr lang="fr-FR" dirty="0"/>
+              <a:rPr lang="fr-FR" dirty="0"/>
+              <a:t>Quad</a:t>
+            </a:r>
           </a:p>
         </p:txBody>
       </p:sp>
@@ -5884,297 +5929,6 @@
           <a:lstStyle/>
           <a:p>
             <a:r>
-              <a:rPr lang="en-US" sz="2000" dirty="0" err="1"/>
-              <a:t>Calcul</a:t>
-            </a:r>
-            <a:r>
-              <a:rPr lang="en-US" sz="2000" dirty="0"/>
-              <a:t> des integrals avec </a:t>
-            </a:r>
-            <a:r>
-              <a:rPr lang="en-US" sz="2000" dirty="0" err="1"/>
-              <a:t>plusieurs</a:t>
-            </a:r>
-            <a:r>
-              <a:rPr lang="en-US" sz="2000" dirty="0"/>
-              <a:t> </a:t>
-            </a:r>
-            <a:r>
-              <a:rPr lang="en-US" sz="2000" dirty="0" err="1"/>
-              <a:t>algorithmes</a:t>
-            </a:r>
-            <a:endParaRPr lang="en-US" sz="2000" dirty="0"/>
-          </a:p>
-          <a:p>
-            <a:r>
-              <a:rPr lang="en-US" sz="2000" dirty="0"/>
-              <a:t>   </a:t>
-            </a:r>
-            <a:r>
-              <a:rPr lang="en-US" sz="2000" dirty="0">
-                <a:latin typeface="Courier New" panose="02070309020205020404" pitchFamily="49" charset="0"/>
-                <a:cs typeface="Courier New" panose="02070309020205020404" pitchFamily="49" charset="0"/>
-              </a:rPr>
-              <a:t>quad</a:t>
-            </a:r>
-            <a:r>
-              <a:rPr lang="en-US" sz="2000" dirty="0"/>
-              <a:t> -- General purpose integration.</a:t>
-            </a:r>
-            <a:br>
-              <a:rPr lang="en-US" sz="2000" dirty="0"/>
-            </a:br>
-            <a:r>
-              <a:rPr lang="en-US" sz="2000" dirty="0"/>
-              <a:t>   </a:t>
-            </a:r>
-            <a:r>
-              <a:rPr lang="en-US" sz="2000" dirty="0" err="1">
-                <a:latin typeface="Courier New" panose="02070309020205020404" pitchFamily="49" charset="0"/>
-                <a:cs typeface="Courier New" panose="02070309020205020404" pitchFamily="49" charset="0"/>
-              </a:rPr>
-              <a:t>dblquad</a:t>
-            </a:r>
-            <a:r>
-              <a:rPr lang="en-US" sz="2000" dirty="0"/>
-              <a:t> -- General purpose double integration.</a:t>
-            </a:r>
-            <a:br>
-              <a:rPr lang="en-US" sz="2000" dirty="0"/>
-            </a:br>
-            <a:r>
-              <a:rPr lang="en-US" sz="2000" dirty="0"/>
-              <a:t>   </a:t>
-            </a:r>
-            <a:r>
-              <a:rPr lang="en-US" sz="2000" dirty="0" err="1">
-                <a:latin typeface="Courier New" panose="02070309020205020404" pitchFamily="49" charset="0"/>
-                <a:cs typeface="Courier New" panose="02070309020205020404" pitchFamily="49" charset="0"/>
-              </a:rPr>
-              <a:t>tplquad</a:t>
-            </a:r>
-            <a:r>
-              <a:rPr lang="en-US" sz="2000" dirty="0"/>
-              <a:t> -- General purpose triple integration.</a:t>
-            </a:r>
-            <a:br>
-              <a:rPr lang="en-US" sz="2000" dirty="0"/>
-            </a:br>
-            <a:r>
-              <a:rPr lang="en-US" sz="2000" dirty="0"/>
-              <a:t>   </a:t>
-            </a:r>
-            <a:r>
-              <a:rPr lang="en-US" sz="2000" dirty="0" err="1">
-                <a:latin typeface="Courier New" panose="02070309020205020404" pitchFamily="49" charset="0"/>
-                <a:cs typeface="Courier New" panose="02070309020205020404" pitchFamily="49" charset="0"/>
-              </a:rPr>
-              <a:t>fixed_quad</a:t>
-            </a:r>
-            <a:r>
-              <a:rPr lang="en-US" sz="2000" dirty="0"/>
-              <a:t> -- Integrate </a:t>
-            </a:r>
-            <a:r>
-              <a:rPr lang="en-US" sz="2000" dirty="0" err="1"/>
-              <a:t>func</a:t>
-            </a:r>
-            <a:r>
-              <a:rPr lang="en-US" sz="2000" dirty="0"/>
-              <a:t>(x) using Gaussian quadrature of order n.</a:t>
-            </a:r>
-            <a:br>
-              <a:rPr lang="en-US" sz="2000" dirty="0"/>
-            </a:br>
-            <a:r>
-              <a:rPr lang="en-US" sz="2000" dirty="0"/>
-              <a:t>   </a:t>
-            </a:r>
-            <a:r>
-              <a:rPr lang="en-US" sz="2000" dirty="0">
-                <a:latin typeface="Courier New" panose="02070309020205020404" pitchFamily="49" charset="0"/>
-                <a:cs typeface="Courier New" panose="02070309020205020404" pitchFamily="49" charset="0"/>
-              </a:rPr>
-              <a:t>quadrature</a:t>
-            </a:r>
-            <a:r>
-              <a:rPr lang="en-US" sz="2000" dirty="0"/>
-              <a:t> -- Integrate with given tolerance using Gaussian quadrature.</a:t>
-            </a:r>
-            <a:br>
-              <a:rPr lang="en-US" sz="2000" dirty="0"/>
-            </a:br>
-            <a:r>
-              <a:rPr lang="en-US" sz="2000" dirty="0"/>
-              <a:t>   </a:t>
-            </a:r>
-            <a:r>
-              <a:rPr lang="en-US" sz="2000" dirty="0" err="1">
-                <a:latin typeface="Courier New" panose="02070309020205020404" pitchFamily="49" charset="0"/>
-                <a:cs typeface="Courier New" panose="02070309020205020404" pitchFamily="49" charset="0"/>
-              </a:rPr>
-              <a:t>romberg</a:t>
-            </a:r>
-            <a:r>
-              <a:rPr lang="en-US" sz="2000" dirty="0"/>
-              <a:t> -- Integrate </a:t>
-            </a:r>
-            <a:r>
-              <a:rPr lang="en-US" sz="2000" dirty="0" err="1"/>
-              <a:t>func</a:t>
-            </a:r>
-            <a:r>
-              <a:rPr lang="en-US" sz="2000" dirty="0"/>
-              <a:t> using Romberg integration.</a:t>
-            </a:r>
-          </a:p>
-          <a:p>
-            <a:r>
-              <a:rPr lang="en-US" sz="2000" dirty="0"/>
-              <a:t>Methods for Integrating Functions given a fixed set of samples:</a:t>
-            </a:r>
-          </a:p>
-          <a:p>
-            <a:r>
-              <a:rPr lang="en-US" sz="2000" dirty="0"/>
-              <a:t>   </a:t>
-            </a:r>
-            <a:r>
-              <a:rPr lang="en-US" sz="2000" dirty="0" err="1">
-                <a:latin typeface="Courier New" panose="02070309020205020404" pitchFamily="49" charset="0"/>
-                <a:cs typeface="Courier New" panose="02070309020205020404" pitchFamily="49" charset="0"/>
-              </a:rPr>
-              <a:t>trapz</a:t>
-            </a:r>
-            <a:r>
-              <a:rPr lang="en-US" sz="2000" dirty="0"/>
-              <a:t> -- Use trapezoidal rule to compute integral from samples.</a:t>
-            </a:r>
-            <a:br>
-              <a:rPr lang="en-US" sz="2000" dirty="0"/>
-            </a:br>
-            <a:r>
-              <a:rPr lang="en-US" sz="2000" dirty="0"/>
-              <a:t>   </a:t>
-            </a:r>
-            <a:r>
-              <a:rPr lang="en-US" sz="2000" dirty="0" err="1">
-                <a:latin typeface="Courier New" panose="02070309020205020404" pitchFamily="49" charset="0"/>
-                <a:cs typeface="Courier New" panose="02070309020205020404" pitchFamily="49" charset="0"/>
-              </a:rPr>
-              <a:t>cumtrapz</a:t>
-            </a:r>
-            <a:r>
-              <a:rPr lang="en-US" sz="2000" dirty="0"/>
-              <a:t> -- Use trapezoidal rule to cumulatively compute integral.</a:t>
-            </a:r>
-            <a:br>
-              <a:rPr lang="en-US" sz="2000" dirty="0"/>
-            </a:br>
-            <a:r>
-              <a:rPr lang="en-US" sz="2000" dirty="0"/>
-              <a:t>   </a:t>
-            </a:r>
-            <a:r>
-              <a:rPr lang="en-US" sz="2000" dirty="0" err="1">
-                <a:latin typeface="Courier New" panose="02070309020205020404" pitchFamily="49" charset="0"/>
-                <a:cs typeface="Courier New" panose="02070309020205020404" pitchFamily="49" charset="0"/>
-              </a:rPr>
-              <a:t>simps</a:t>
-            </a:r>
-            <a:r>
-              <a:rPr lang="en-US" sz="2000" dirty="0"/>
-              <a:t> -- Use Simpson's rule to compute integral from samples.</a:t>
-            </a:r>
-            <a:br>
-              <a:rPr lang="en-US" sz="2000" dirty="0"/>
-            </a:br>
-            <a:r>
-              <a:rPr lang="en-US" sz="2000" dirty="0"/>
-              <a:t>   </a:t>
-            </a:r>
-            <a:r>
-              <a:rPr lang="en-US" sz="2000" dirty="0" err="1">
-                <a:latin typeface="Courier New" panose="02070309020205020404" pitchFamily="49" charset="0"/>
-                <a:cs typeface="Courier New" panose="02070309020205020404" pitchFamily="49" charset="0"/>
-              </a:rPr>
-              <a:t>romb</a:t>
-            </a:r>
-            <a:r>
-              <a:rPr lang="en-US" sz="2000" dirty="0"/>
-              <a:t> -- Use Romberg Integration to compute integral from (2**k + 1) evenly-spaced samples.</a:t>
-            </a:r>
-          </a:p>
-        </p:txBody>
-      </p:sp>
-    </p:spTree>
-    <p:extLst>
-      <p:ext uri="{BB962C8B-B14F-4D97-AF65-F5344CB8AC3E}">
-        <p14:creationId xmlns:p14="http://schemas.microsoft.com/office/powerpoint/2010/main" val="660484798"/>
-      </p:ext>
-    </p:extLst>
-  </p:cSld>
-  <p:clrMapOvr>
-    <a:masterClrMapping/>
-  </p:clrMapOvr>
-</p:sld>
-</file>
-
-<file path=ppt/slides/slide25.xml><?xml version="1.0" encoding="utf-8"?>
-<p:sld xmlns:a="http://schemas.openxmlformats.org/drawingml/2006/main" xmlns:r="http://schemas.openxmlformats.org/officeDocument/2006/relationships" xmlns:p="http://schemas.openxmlformats.org/presentationml/2006/main">
-  <p:cSld>
-    <p:spTree>
-      <p:nvGrpSpPr>
-        <p:cNvPr id="1" name=""/>
-        <p:cNvGrpSpPr/>
-        <p:nvPr/>
-      </p:nvGrpSpPr>
-      <p:grpSpPr>
-        <a:xfrm>
-          <a:off x="0" y="0"/>
-          <a:ext cx="0" cy="0"/>
-          <a:chOff x="0" y="0"/>
-          <a:chExt cx="0" cy="0"/>
-        </a:xfrm>
-      </p:grpSpPr>
-      <p:sp>
-        <p:nvSpPr>
-          <p:cNvPr id="2" name="Titre 1"/>
-          <p:cNvSpPr>
-            <a:spLocks noGrp="1"/>
-          </p:cNvSpPr>
-          <p:nvPr>
-            <p:ph type="title"/>
-          </p:nvPr>
-        </p:nvSpPr>
-        <p:spPr/>
-        <p:txBody>
-          <a:bodyPr/>
-          <a:lstStyle/>
-          <a:p>
-            <a:r>
-              <a:rPr lang="fr-FR" dirty="0"/>
-              <a:t>Quad</a:t>
-            </a:r>
-          </a:p>
-        </p:txBody>
-      </p:sp>
-      <p:sp>
-        <p:nvSpPr>
-          <p:cNvPr id="3" name="Espace réservé du contenu 2"/>
-          <p:cNvSpPr>
-            <a:spLocks noGrp="1"/>
-          </p:cNvSpPr>
-          <p:nvPr>
-            <p:ph idx="1"/>
-          </p:nvPr>
-        </p:nvSpPr>
-        <p:spPr/>
-        <p:txBody>
-          <a:bodyPr/>
-          <a:lstStyle/>
-          <a:p>
-            <a:r>
               <a:rPr lang="fr-FR" dirty="0" err="1"/>
               <a:t>result</a:t>
             </a:r>
@@ -6218,47 +5972,7 @@
             <a:pPr lvl="1"/>
             <a:r>
               <a:rPr lang="fr-FR" dirty="0"/>
-              <a:t>2 </a:t>
-            </a:r>
-            <a:r>
-              <a:rPr lang="fr-FR" dirty="0" err="1"/>
-              <a:t>with</a:t>
-            </a:r>
-            <a:r>
-              <a:rPr lang="fr-FR" dirty="0"/>
-              <a:t> a </a:t>
-            </a:r>
-            <a:r>
-              <a:rPr lang="fr-FR" dirty="0" err="1"/>
-              <a:t>very</a:t>
-            </a:r>
-            <a:r>
-              <a:rPr lang="fr-FR" dirty="0"/>
-              <a:t> </a:t>
-            </a:r>
-            <a:r>
-              <a:rPr lang="fr-FR" dirty="0" err="1"/>
-              <a:t>small</a:t>
-            </a:r>
-            <a:r>
-              <a:rPr lang="fr-FR" dirty="0"/>
-              <a:t> </a:t>
-            </a:r>
-            <a:r>
-              <a:rPr lang="fr-FR" dirty="0" err="1"/>
-              <a:t>error</a:t>
-            </a:r>
-            <a:r>
-              <a:rPr lang="fr-FR" dirty="0"/>
-              <a:t> </a:t>
-            </a:r>
-            <a:r>
-              <a:rPr lang="fr-FR" dirty="0" err="1"/>
-              <a:t>margin</a:t>
-            </a:r>
-            <a:r>
-              <a:rPr lang="fr-FR" dirty="0"/>
-              <a:t>!</a:t>
+              <a:t>2 avec une marge d’erreur faible</a:t>
             </a:r>
           </a:p>
           <a:p>
@@ -6292,13 +6006,8 @@
             <a:pPr lvl="1"/>
             <a:r>
               <a:rPr lang="fr-FR" dirty="0"/>
-              <a:t>(0.0, </a:t>
-            </a:r>
-            <a:r>
-              <a:rPr lang="fr-FR"/>
-              <a:t>0.0)</a:t>
-            </a:r>
-            <a:endParaRPr lang="fr-FR" dirty="0"/>
+              <a:t>(0.0, 0.0)</a:t>
+            </a:r>
           </a:p>
         </p:txBody>
       </p:sp>
@@ -6575,7 +6284,7 @@
 </p:sld>
 </file>
 
-<file path=ppt/slides/slide3.xml><?xml version="1.0" encoding="utf-8"?>
+<file path=ppt/slides/slide25.xml><?xml version="1.0" encoding="utf-8"?>
 <p:sld xmlns:a="http://schemas.openxmlformats.org/drawingml/2006/main" xmlns:r="http://schemas.openxmlformats.org/officeDocument/2006/relationships" xmlns:p="http://schemas.openxmlformats.org/presentationml/2006/main">
   <p:cSld>
     <p:spTree>
@@ -6594,7 +6303,13 @@
       </p:grpSpPr>
       <p:sp>
         <p:nvSpPr>
-          <p:cNvPr id="2" name="Titre 1"/>
+          <p:cNvPr id="2" name="Titre 1">
+            <a:extLst>
+              <a:ext uri="{FF2B5EF4-FFF2-40B4-BE49-F238E27FC236}">
+                <a16:creationId xmlns:a16="http://schemas.microsoft.com/office/drawing/2014/main" id="{D186B3D5-16F7-9E5C-64CF-9BEA53ACF767}"/>
+              </a:ext>
+            </a:extLst>
+          </p:cNvPr>
           <p:cNvSpPr>
             <a:spLocks noGrp="1"/>
           </p:cNvSpPr>
@@ -6609,14 +6324,20 @@
           <a:p>
             <a:r>
               <a:rPr lang="fr-FR" dirty="0"/>
-              <a:t>But</a:t>
-            </a:r>
-          </a:p>
-        </p:txBody>
-      </p:sp>
-      <p:sp>
-        <p:nvSpPr>
-          <p:cNvPr id="3" name="Espace réservé du contenu 2"/>
+              <a:t>Exemple</a:t>
+            </a:r>
+          </a:p>
+        </p:txBody>
+      </p:sp>
+      <p:sp>
+        <p:nvSpPr>
+          <p:cNvPr id="3" name="Espace réservé du contenu 2">
+            <a:extLst>
+              <a:ext uri="{FF2B5EF4-FFF2-40B4-BE49-F238E27FC236}">
+                <a16:creationId xmlns:a16="http://schemas.microsoft.com/office/drawing/2014/main" id="{83E64950-1E24-BAAC-7519-A61336757AF9}"/>
+              </a:ext>
+            </a:extLst>
+          </p:cNvPr>
           <p:cNvSpPr>
             <a:spLocks noGrp="1"/>
           </p:cNvSpPr>
@@ -6631,28 +6352,212 @@
           <a:p>
             <a:r>
               <a:rPr lang="fr-FR" dirty="0"/>
-              <a:t>En data science plus généralement, l'objectif est de trouver un modèle du phénomène à l'origine des données</a:t>
-            </a:r>
-          </a:p>
-          <a:p>
-            <a:r>
-              <a:rPr lang="fr-FR" dirty="0"/>
-              <a:t>C'est à dire qu'on considère que chaque donnée observée est l'expression d'une variable aléatoire générée par une distribution de probabilité</a:t>
-            </a:r>
-          </a:p>
-          <a:p>
-            <a:pPr lvl="1"/>
-            <a:r>
-              <a:rPr lang="fr-FR" dirty="0"/>
-              <a:t>Par exemple les sondages</a:t>
-            </a:r>
-          </a:p>
-        </p:txBody>
-      </p:sp>
+              <a:t>Exemple avec paramètres</a:t>
+            </a:r>
+          </a:p>
+          <a:p>
+            <a:endParaRPr lang="fr-FR" dirty="0"/>
+          </a:p>
+          <a:p>
+            <a:endParaRPr lang="fr-FR" dirty="0"/>
+          </a:p>
+          <a:p>
+            <a:endParaRPr lang="fr-FR" dirty="0"/>
+          </a:p>
+          <a:p>
+            <a:pPr marL="0" indent="0">
+              <a:buNone/>
+            </a:pPr>
+            <a:r>
+              <a:rPr lang="fr-FR" sz="1800" dirty="0" err="1">
+                <a:latin typeface="Courier New" panose="02070309020205020404" pitchFamily="49" charset="0"/>
+                <a:cs typeface="Courier New" panose="02070309020205020404" pitchFamily="49" charset="0"/>
+              </a:rPr>
+              <a:t>from</a:t>
+            </a:r>
+            <a:r>
+              <a:rPr lang="fr-FR" sz="1800" dirty="0">
+                <a:latin typeface="Courier New" panose="02070309020205020404" pitchFamily="49" charset="0"/>
+                <a:cs typeface="Courier New" panose="02070309020205020404" pitchFamily="49" charset="0"/>
+              </a:rPr>
+              <a:t> </a:t>
+            </a:r>
+            <a:r>
+              <a:rPr lang="fr-FR" sz="1800" dirty="0" err="1">
+                <a:latin typeface="Courier New" panose="02070309020205020404" pitchFamily="49" charset="0"/>
+                <a:cs typeface="Courier New" panose="02070309020205020404" pitchFamily="49" charset="0"/>
+              </a:rPr>
+              <a:t>scipy.integrate</a:t>
+            </a:r>
+            <a:r>
+              <a:rPr lang="fr-FR" sz="1800" dirty="0">
+                <a:latin typeface="Courier New" panose="02070309020205020404" pitchFamily="49" charset="0"/>
+                <a:cs typeface="Courier New" panose="02070309020205020404" pitchFamily="49" charset="0"/>
+              </a:rPr>
+              <a:t> import quad</a:t>
+            </a:r>
+          </a:p>
+          <a:p>
+            <a:pPr marL="0" indent="0">
+              <a:buNone/>
+            </a:pPr>
+            <a:endParaRPr lang="fr-FR" sz="1800" dirty="0">
+              <a:latin typeface="Courier New" panose="02070309020205020404" pitchFamily="49" charset="0"/>
+              <a:cs typeface="Courier New" panose="02070309020205020404" pitchFamily="49" charset="0"/>
+            </a:endParaRPr>
+          </a:p>
+          <a:p>
+            <a:pPr marL="0" indent="0">
+              <a:buNone/>
+            </a:pPr>
+            <a:r>
+              <a:rPr lang="fr-FR" sz="1800" dirty="0" err="1">
+                <a:latin typeface="Courier New" panose="02070309020205020404" pitchFamily="49" charset="0"/>
+                <a:cs typeface="Courier New" panose="02070309020205020404" pitchFamily="49" charset="0"/>
+              </a:rPr>
+              <a:t>def</a:t>
+            </a:r>
+            <a:r>
+              <a:rPr lang="fr-FR" sz="1800" dirty="0">
+                <a:latin typeface="Courier New" panose="02070309020205020404" pitchFamily="49" charset="0"/>
+                <a:cs typeface="Courier New" panose="02070309020205020404" pitchFamily="49" charset="0"/>
+              </a:rPr>
+              <a:t> </a:t>
+            </a:r>
+            <a:r>
+              <a:rPr lang="fr-FR" sz="1800" dirty="0" err="1">
+                <a:latin typeface="Courier New" panose="02070309020205020404" pitchFamily="49" charset="0"/>
+                <a:cs typeface="Courier New" panose="02070309020205020404" pitchFamily="49" charset="0"/>
+              </a:rPr>
+              <a:t>integrand</a:t>
+            </a:r>
+            <a:r>
+              <a:rPr lang="fr-FR" sz="1800" dirty="0">
+                <a:latin typeface="Courier New" panose="02070309020205020404" pitchFamily="49" charset="0"/>
+                <a:cs typeface="Courier New" panose="02070309020205020404" pitchFamily="49" charset="0"/>
+              </a:rPr>
+              <a:t>(x, a, b):</a:t>
+            </a:r>
+          </a:p>
+          <a:p>
+            <a:pPr marL="0" indent="0">
+              <a:buNone/>
+            </a:pPr>
+            <a:r>
+              <a:rPr lang="fr-FR" sz="1800" dirty="0">
+                <a:latin typeface="Courier New" panose="02070309020205020404" pitchFamily="49" charset="0"/>
+                <a:cs typeface="Courier New" panose="02070309020205020404" pitchFamily="49" charset="0"/>
+              </a:rPr>
+              <a:t>    return a*x**2 + b</a:t>
+            </a:r>
+          </a:p>
+          <a:p>
+            <a:pPr marL="0" indent="0">
+              <a:buNone/>
+            </a:pPr>
+            <a:endParaRPr lang="fr-FR" sz="1800" dirty="0">
+              <a:latin typeface="Courier New" panose="02070309020205020404" pitchFamily="49" charset="0"/>
+              <a:cs typeface="Courier New" panose="02070309020205020404" pitchFamily="49" charset="0"/>
+            </a:endParaRPr>
+          </a:p>
+          <a:p>
+            <a:pPr marL="0" indent="0">
+              <a:buNone/>
+            </a:pPr>
+            <a:r>
+              <a:rPr lang="fr-FR" sz="1800" dirty="0">
+                <a:latin typeface="Courier New" panose="02070309020205020404" pitchFamily="49" charset="0"/>
+                <a:cs typeface="Courier New" panose="02070309020205020404" pitchFamily="49" charset="0"/>
+              </a:rPr>
+              <a:t>a = 2</a:t>
+            </a:r>
+          </a:p>
+          <a:p>
+            <a:pPr marL="0" indent="0">
+              <a:buNone/>
+            </a:pPr>
+            <a:r>
+              <a:rPr lang="fr-FR" sz="1800" dirty="0">
+                <a:latin typeface="Courier New" panose="02070309020205020404" pitchFamily="49" charset="0"/>
+                <a:cs typeface="Courier New" panose="02070309020205020404" pitchFamily="49" charset="0"/>
+              </a:rPr>
+              <a:t>b = 1</a:t>
+            </a:r>
+          </a:p>
+          <a:p>
+            <a:pPr marL="0" indent="0">
+              <a:buNone/>
+            </a:pPr>
+            <a:r>
+              <a:rPr lang="fr-FR" sz="1800" dirty="0">
+                <a:latin typeface="Courier New" panose="02070309020205020404" pitchFamily="49" charset="0"/>
+                <a:cs typeface="Courier New" panose="02070309020205020404" pitchFamily="49" charset="0"/>
+              </a:rPr>
+              <a:t>I = quad(</a:t>
+            </a:r>
+            <a:r>
+              <a:rPr lang="fr-FR" sz="1800" dirty="0" err="1">
+                <a:latin typeface="Courier New" panose="02070309020205020404" pitchFamily="49" charset="0"/>
+                <a:cs typeface="Courier New" panose="02070309020205020404" pitchFamily="49" charset="0"/>
+              </a:rPr>
+              <a:t>integrand</a:t>
+            </a:r>
+            <a:r>
+              <a:rPr lang="fr-FR" sz="1800" dirty="0">
+                <a:latin typeface="Courier New" panose="02070309020205020404" pitchFamily="49" charset="0"/>
+                <a:cs typeface="Courier New" panose="02070309020205020404" pitchFamily="49" charset="0"/>
+              </a:rPr>
+              <a:t>, 0, 1, args=(2,1))</a:t>
+            </a:r>
+          </a:p>
+          <a:p>
+            <a:pPr marL="0" indent="0">
+              <a:buNone/>
+            </a:pPr>
+            <a:r>
+              <a:rPr lang="fr-FR" sz="1800" dirty="0">
+                <a:latin typeface="Courier New" panose="02070309020205020404" pitchFamily="49" charset="0"/>
+                <a:cs typeface="Courier New" panose="02070309020205020404" pitchFamily="49" charset="0"/>
+              </a:rPr>
+              <a:t>(1.6666666666666667, 1.8503717077085944e-14)</a:t>
+            </a:r>
+          </a:p>
+        </p:txBody>
+      </p:sp>
+      <p:pic>
+        <p:nvPicPr>
+          <p:cNvPr id="7" name="Image 6">
+            <a:extLst>
+              <a:ext uri="{FF2B5EF4-FFF2-40B4-BE49-F238E27FC236}">
+                <a16:creationId xmlns:a16="http://schemas.microsoft.com/office/drawing/2014/main" id="{338E9AA4-20D2-08DD-BB29-FAD939F9EC26}"/>
+              </a:ext>
+            </a:extLst>
+          </p:cNvPr>
+          <p:cNvPicPr>
+            <a:picLocks noChangeAspect="1"/>
+          </p:cNvPicPr>
+          <p:nvPr/>
+        </p:nvPicPr>
+        <p:blipFill>
+          <a:blip r:embed="rId2"/>
+          <a:stretch>
+            <a:fillRect/>
+          </a:stretch>
+        </p:blipFill>
+        <p:spPr>
+          <a:xfrm>
+            <a:off x="3491880" y="2132856"/>
+            <a:ext cx="2331922" cy="609653"/>
+          </a:xfrm>
+          <a:prstGeom prst="rect">
+            <a:avLst/>
+          </a:prstGeom>
+        </p:spPr>
+      </p:pic>
     </p:spTree>
     <p:extLst>
       <p:ext uri="{BB962C8B-B14F-4D97-AF65-F5344CB8AC3E}">
-        <p14:creationId xmlns:p14="http://schemas.microsoft.com/office/powerpoint/2010/main" val="2274803985"/>
+        <p14:creationId xmlns:p14="http://schemas.microsoft.com/office/powerpoint/2010/main" val="1080173939"/>
       </p:ext>
     </p:extLst>
   </p:cSld>
@@ -6662,7 +6567,7 @@
 </p:sld>
 </file>
 
-<file path=ppt/slides/slide4.xml><?xml version="1.0" encoding="utf-8"?>
+<file path=ppt/slides/slide3.xml><?xml version="1.0" encoding="utf-8"?>
 <p:sld xmlns:a="http://schemas.openxmlformats.org/drawingml/2006/main" xmlns:r="http://schemas.openxmlformats.org/officeDocument/2006/relationships" xmlns:p="http://schemas.openxmlformats.org/presentationml/2006/main">
   <p:cSld>
     <p:spTree>
@@ -6766,7 +6671,7 @@
 </p:sld>
 </file>
 
-<file path=ppt/slides/slide5.xml><?xml version="1.0" encoding="utf-8"?>
+<file path=ppt/slides/slide4.xml><?xml version="1.0" encoding="utf-8"?>
 <p:sld xmlns:a="http://schemas.openxmlformats.org/drawingml/2006/main" xmlns:r="http://schemas.openxmlformats.org/officeDocument/2006/relationships" xmlns:p="http://schemas.openxmlformats.org/presentationml/2006/main">
   <p:cSld>
     <p:spTree>
@@ -6881,7 +6786,7 @@
 </p:sld>
 </file>
 
-<file path=ppt/slides/slide6.xml><?xml version="1.0" encoding="utf-8"?>
+<file path=ppt/slides/slide5.xml><?xml version="1.0" encoding="utf-8"?>
 <p:sld xmlns:a="http://schemas.openxmlformats.org/drawingml/2006/main" xmlns:r="http://schemas.openxmlformats.org/officeDocument/2006/relationships" xmlns:p="http://schemas.openxmlformats.org/presentationml/2006/main">
   <p:cSld>
     <p:spTree>
@@ -6997,7 +6902,7 @@
 </p:sld>
 </file>
 
-<file path=ppt/slides/slide7.xml><?xml version="1.0" encoding="utf-8"?>
+<file path=ppt/slides/slide6.xml><?xml version="1.0" encoding="utf-8"?>
 <p:sld xmlns:a="http://schemas.openxmlformats.org/drawingml/2006/main" xmlns:r="http://schemas.openxmlformats.org/officeDocument/2006/relationships" xmlns:p="http://schemas.openxmlformats.org/presentationml/2006/main">
   <p:cSld>
     <p:spTree>
@@ -7115,7 +7020,7 @@
 </p:sld>
 </file>
 
-<file path=ppt/slides/slide8.xml><?xml version="1.0" encoding="utf-8"?>
+<file path=ppt/slides/slide7.xml><?xml version="1.0" encoding="utf-8"?>
 <p:sld xmlns:a="http://schemas.openxmlformats.org/drawingml/2006/main" xmlns:r="http://schemas.openxmlformats.org/officeDocument/2006/relationships" xmlns:p="http://schemas.openxmlformats.org/presentationml/2006/main">
   <p:cSld>
     <p:spTree>
@@ -7214,7 +7119,7 @@
 </p:sld>
 </file>
 
-<file path=ppt/slides/slide9.xml><?xml version="1.0" encoding="utf-8"?>
+<file path=ppt/slides/slide8.xml><?xml version="1.0" encoding="utf-8"?>
 <p:sld xmlns:a="http://schemas.openxmlformats.org/drawingml/2006/main" xmlns:r="http://schemas.openxmlformats.org/officeDocument/2006/relationships" xmlns:p="http://schemas.openxmlformats.org/presentationml/2006/main">
   <p:cSld>
     <p:spTree>
@@ -7332,6 +7237,121 @@
     <p:extLst>
       <p:ext uri="{BB962C8B-B14F-4D97-AF65-F5344CB8AC3E}">
         <p14:creationId xmlns:p14="http://schemas.microsoft.com/office/powerpoint/2010/main" val="3799084937"/>
+      </p:ext>
+    </p:extLst>
+  </p:cSld>
+  <p:clrMapOvr>
+    <a:masterClrMapping/>
+  </p:clrMapOvr>
+</p:sld>
+</file>
+
+<file path=ppt/slides/slide9.xml><?xml version="1.0" encoding="utf-8"?>
+<p:sld xmlns:a="http://schemas.openxmlformats.org/drawingml/2006/main" xmlns:r="http://schemas.openxmlformats.org/officeDocument/2006/relationships" xmlns:p="http://schemas.openxmlformats.org/presentationml/2006/main">
+  <p:cSld>
+    <p:spTree>
+      <p:nvGrpSpPr>
+        <p:cNvPr id="1" name=""/>
+        <p:cNvGrpSpPr/>
+        <p:nvPr/>
+      </p:nvGrpSpPr>
+      <p:grpSpPr>
+        <a:xfrm>
+          <a:off x="0" y="0"/>
+          <a:ext cx="0" cy="0"/>
+          <a:chOff x="0" y="0"/>
+          <a:chExt cx="0" cy="0"/>
+        </a:xfrm>
+      </p:grpSpPr>
+      <p:sp>
+        <p:nvSpPr>
+          <p:cNvPr id="2" name="Titre 1"/>
+          <p:cNvSpPr>
+            <a:spLocks noGrp="1"/>
+          </p:cNvSpPr>
+          <p:nvPr>
+            <p:ph type="title"/>
+          </p:nvPr>
+        </p:nvSpPr>
+        <p:spPr/>
+        <p:txBody>
+          <a:bodyPr/>
+          <a:lstStyle/>
+          <a:p>
+            <a:r>
+              <a:rPr lang="fr-FR" dirty="0"/>
+              <a:t>La régression n’est pas tous les temps linéaire</a:t>
+            </a:r>
+          </a:p>
+        </p:txBody>
+      </p:sp>
+      <p:sp>
+        <p:nvSpPr>
+          <p:cNvPr id="3" name="Espace réservé du contenu 2"/>
+          <p:cNvSpPr>
+            <a:spLocks noGrp="1"/>
+          </p:cNvSpPr>
+          <p:nvPr>
+            <p:ph idx="1"/>
+          </p:nvPr>
+        </p:nvSpPr>
+        <p:spPr/>
+        <p:txBody>
+          <a:bodyPr/>
+          <a:lstStyle/>
+          <a:p>
+            <a:r>
+              <a:rPr lang="fr-FR" dirty="0"/>
+              <a:t>Dans cette exemple il est impossible de faire filer une droite</a:t>
+            </a:r>
+          </a:p>
+        </p:txBody>
+      </p:sp>
+      <p:pic>
+        <p:nvPicPr>
+          <p:cNvPr id="4098" name="Picture 2" descr="Comme on peut le voir sur ce genre de données, c'est difficile de faire fitter une droite!"/>
+          <p:cNvPicPr>
+            <a:picLocks noChangeAspect="1" noChangeArrowheads="1"/>
+          </p:cNvPicPr>
+          <p:nvPr/>
+        </p:nvPicPr>
+        <p:blipFill>
+          <a:blip r:embed="rId2">
+            <a:extLst>
+              <a:ext uri="{28A0092B-C50C-407E-A947-70E740481C1C}">
+                <a14:useLocalDpi xmlns:a14="http://schemas.microsoft.com/office/drawing/2010/main" val="0"/>
+              </a:ext>
+            </a:extLst>
+          </a:blip>
+          <a:srcRect/>
+          <a:stretch>
+            <a:fillRect/>
+          </a:stretch>
+        </p:blipFill>
+        <p:spPr bwMode="auto">
+          <a:xfrm>
+            <a:off x="2339752" y="1860773"/>
+            <a:ext cx="4714875" cy="4619626"/>
+          </a:xfrm>
+          <a:prstGeom prst="rect">
+            <a:avLst/>
+          </a:prstGeom>
+          <a:noFill/>
+          <a:extLst>
+            <a:ext uri="{909E8E84-426E-40DD-AFC4-6F175D3DCCD1}">
+              <a14:hiddenFill xmlns:a14="http://schemas.microsoft.com/office/drawing/2010/main">
+                <a:solidFill>
+                  <a:srgbClr val="FFFFFF"/>
+                </a:solidFill>
+              </a14:hiddenFill>
+            </a:ext>
+          </a:extLst>
+        </p:spPr>
+      </p:pic>
+    </p:spTree>
+    <p:extLst>
+      <p:ext uri="{BB962C8B-B14F-4D97-AF65-F5344CB8AC3E}">
+        <p14:creationId xmlns:p14="http://schemas.microsoft.com/office/powerpoint/2010/main" val="1944136119"/>
       </p:ext>
     </p:extLst>
   </p:cSld>

--- a/ppt/PythonMath10-Scipy.pptx
+++ b/ppt/PythonMath10-Scipy.pptx
@@ -5757,8 +5757,17 @@
               <a:rPr lang="en-US" sz="2400" dirty="0">
                 <a:latin typeface="+mj-lt"/>
               </a:rPr>
-              <a:t> des integrals</a:t>
-            </a:r>
+              <a:t> des </a:t>
+            </a:r>
+            <a:r>
+              <a:rPr lang="en-US" sz="2400" dirty="0" err="1">
+                <a:latin typeface="+mj-lt"/>
+              </a:rPr>
+              <a:t>intégrales</a:t>
+            </a:r>
+            <a:endParaRPr lang="en-US" sz="2400" dirty="0">
+              <a:latin typeface="+mj-lt"/>
+            </a:endParaRPr>
           </a:p>
           <a:p>
             <a:r>
@@ -6507,8 +6516,33 @@
                 <a:latin typeface="Courier New" panose="02070309020205020404" pitchFamily="49" charset="0"/>
                 <a:cs typeface="Courier New" panose="02070309020205020404" pitchFamily="49" charset="0"/>
               </a:rPr>
-              <a:t>, 0, 1, args=(2,1))</a:t>
-            </a:r>
+              <a:t>, 0, 1, args=(</a:t>
+            </a:r>
+            <a:r>
+              <a:rPr lang="fr-FR" sz="1800">
+                <a:latin typeface="Courier New" panose="02070309020205020404" pitchFamily="49" charset="0"/>
+                <a:cs typeface="Courier New" panose="02070309020205020404" pitchFamily="49" charset="0"/>
+              </a:rPr>
+              <a:t>a,</a:t>
+            </a:r>
+            <a:r>
+              <a:rPr lang="fr-FR" sz="1800" dirty="0">
+                <a:latin typeface="Courier New" panose="02070309020205020404" pitchFamily="49" charset="0"/>
+                <a:cs typeface="Courier New" panose="02070309020205020404" pitchFamily="49" charset="0"/>
+              </a:rPr>
+              <a:t>b</a:t>
+            </a:r>
+            <a:r>
+              <a:rPr lang="fr-FR" sz="1800">
+                <a:latin typeface="Courier New" panose="02070309020205020404" pitchFamily="49" charset="0"/>
+                <a:cs typeface="Courier New" panose="02070309020205020404" pitchFamily="49" charset="0"/>
+              </a:rPr>
+              <a:t>))</a:t>
+            </a:r>
+            <a:endParaRPr lang="fr-FR" sz="1800" dirty="0">
+              <a:latin typeface="Courier New" panose="02070309020205020404" pitchFamily="49" charset="0"/>
+              <a:cs typeface="Courier New" panose="02070309020205020404" pitchFamily="49" charset="0"/>
+            </a:endParaRPr>
           </a:p>
           <a:p>
             <a:pPr marL="0" indent="0">
